--- a/other_files/file_structure/File_structure.pptx
+++ b/other_files/file_structure/File_structure.pptx
@@ -104,6 +104,11 @@
       </a:defRPr>
     </a:lvl9pPr>
   </p:defaultTextStyle>
+  <p:extLst>
+    <p:ext uri="{EFAFB233-063F-42B5-8137-9DF3F51BA10A}">
+      <p15:sldGuideLst xmlns:p15="http://schemas.microsoft.com/office/powerpoint/2012/main"/>
+    </p:ext>
+  </p:extLst>
 </p:presentation>
 </file>
 
@@ -3357,14 +3362,14 @@
           <p:nvPr>
             <p:extLst>
               <p:ext uri="{D42A27DB-BD31-4B8C-83A1-F6EECF244321}">
-                <p14:modId xmlns:p14="http://schemas.microsoft.com/office/powerpoint/2010/main" val="1035798853"/>
+                <p14:modId xmlns:p14="http://schemas.microsoft.com/office/powerpoint/2010/main" val="3151017988"/>
               </p:ext>
             </p:extLst>
           </p:nvPr>
         </p:nvGraphicFramePr>
         <p:xfrm>
           <a:off x="64994" y="619060"/>
-          <a:ext cx="12062012" cy="5619879"/>
+          <a:ext cx="12062012" cy="5745210"/>
         </p:xfrm>
         <a:graphic>
           <a:graphicData uri="http://schemas.openxmlformats.org/drawingml/2006/table">
@@ -3414,6 +3419,8 @@
                           <a:solidFill>
                             <a:schemeClr val="tx1"/>
                           </a:solidFill>
+                          <a:latin typeface="Arial" panose="020B0604020202020204" pitchFamily="34" charset="0"/>
+                          <a:cs typeface="Arial" panose="020B0604020202020204" pitchFamily="34" charset="0"/>
                         </a:rPr>
                         <a:t>Data file</a:t>
                       </a:r>
@@ -3482,6 +3489,8 @@
                           <a:solidFill>
                             <a:schemeClr val="tx1"/>
                           </a:solidFill>
+                          <a:latin typeface="Arial" panose="020B0604020202020204" pitchFamily="34" charset="0"/>
+                          <a:cs typeface="Arial" panose="020B0604020202020204" pitchFamily="34" charset="0"/>
                         </a:rPr>
                         <a:t>Scripts file</a:t>
                       </a:r>
@@ -3550,6 +3559,8 @@
                           <a:solidFill>
                             <a:schemeClr val="tx1"/>
                           </a:solidFill>
+                          <a:latin typeface="Arial" panose="020B0604020202020204" pitchFamily="34" charset="0"/>
+                          <a:cs typeface="Arial" panose="020B0604020202020204" pitchFamily="34" charset="0"/>
                         </a:rPr>
                         <a:t>Usage</a:t>
                       </a:r>
@@ -3618,6 +3629,8 @@
                           <a:solidFill>
                             <a:schemeClr val="tx1"/>
                           </a:solidFill>
+                          <a:latin typeface="Arial" panose="020B0604020202020204" pitchFamily="34" charset="0"/>
+                          <a:cs typeface="Arial" panose="020B0604020202020204" pitchFamily="34" charset="0"/>
                         </a:rPr>
                         <a:t>Notes</a:t>
                       </a:r>
@@ -3688,7 +3701,10 @@
                     <a:lstStyle/>
                     <a:p>
                       <a:r>
-                        <a:rPr lang="en-NZ" sz="1100" dirty="0"/>
+                        <a:rPr lang="en-NZ" sz="1100" dirty="0">
+                          <a:latin typeface="Arial" panose="020B0604020202020204" pitchFamily="34" charset="0"/>
+                          <a:cs typeface="Arial" panose="020B0604020202020204" pitchFamily="34" charset="0"/>
+                        </a:rPr>
                         <a:t>Checking_cvresultscomparison_001_onebyone</a:t>
                       </a:r>
                     </a:p>
@@ -3747,18 +3763,30 @@
                     <a:lstStyle/>
                     <a:p>
                       <a:r>
-                        <a:rPr lang="en-NZ" sz="1100" dirty="0" err="1"/>
+                        <a:rPr lang="en-NZ" sz="1100" dirty="0" err="1">
+                          <a:latin typeface="Arial" panose="020B0604020202020204" pitchFamily="34" charset="0"/>
+                          <a:cs typeface="Arial" panose="020B0604020202020204" pitchFamily="34" charset="0"/>
+                        </a:rPr>
                         <a:t>All_results</a:t>
                       </a:r>
                       <a:r>
-                        <a:rPr lang="en-NZ" sz="1100" dirty="0"/>
+                        <a:rPr lang="en-NZ" sz="1100" dirty="0">
+                          <a:latin typeface="Arial" panose="020B0604020202020204" pitchFamily="34" charset="0"/>
+                          <a:cs typeface="Arial" panose="020B0604020202020204" pitchFamily="34" charset="0"/>
+                        </a:rPr>
                         <a:t>/</a:t>
                       </a:r>
                       <a:r>
-                        <a:rPr lang="en-NZ" sz="1100" dirty="0" err="1"/>
+                        <a:rPr lang="en-NZ" sz="1100" dirty="0" err="1">
+                          <a:latin typeface="Arial" panose="020B0604020202020204" pitchFamily="34" charset="0"/>
+                          <a:cs typeface="Arial" panose="020B0604020202020204" pitchFamily="34" charset="0"/>
+                        </a:rPr>
                         <a:t>Cv_results_comparison</a:t>
                       </a:r>
-                      <a:endParaRPr lang="en-NZ" sz="1100" dirty="0"/>
+                      <a:endParaRPr lang="en-NZ" sz="1100" dirty="0">
+                        <a:latin typeface="Arial" panose="020B0604020202020204" pitchFamily="34" charset="0"/>
+                        <a:cs typeface="Arial" panose="020B0604020202020204" pitchFamily="34" charset="0"/>
+                      </a:endParaRPr>
                     </a:p>
                   </a:txBody>
                   <a:tcPr anchor="ctr">
@@ -3815,7 +3843,10 @@
                     <a:lstStyle/>
                     <a:p>
                       <a:r>
-                        <a:rPr lang="en-NZ" sz="1100" dirty="0"/>
+                        <a:rPr lang="en-NZ" sz="1100" dirty="0">
+                          <a:latin typeface="Arial" panose="020B0604020202020204" pitchFamily="34" charset="0"/>
+                          <a:cs typeface="Arial" panose="020B0604020202020204" pitchFamily="34" charset="0"/>
+                        </a:rPr>
                         <a:t>Generate CV for rotation and a combination of rotation and North-East translation</a:t>
                       </a:r>
                     </a:p>
@@ -3874,7 +3905,10 @@
                     <a:lstStyle/>
                     <a:p>
                       <a:r>
-                        <a:rPr lang="en-NZ" sz="1100" dirty="0"/>
+                        <a:rPr lang="en-NZ" sz="1100" dirty="0">
+                          <a:latin typeface="Arial" panose="020B0604020202020204" pitchFamily="34" charset="0"/>
+                          <a:cs typeface="Arial" panose="020B0604020202020204" pitchFamily="34" charset="0"/>
+                        </a:rPr>
                         <a:t>These files could obviously be generate by the simulation scripts but takes time and not flexible like here</a:t>
                       </a:r>
                     </a:p>
@@ -3940,7 +3974,10 @@
                     <a:lstStyle/>
                     <a:p>
                       <a:r>
-                        <a:rPr lang="en-NZ" sz="1100" dirty="0"/>
+                        <a:rPr lang="en-NZ" sz="1100" dirty="0">
+                          <a:latin typeface="Arial" panose="020B0604020202020204" pitchFamily="34" charset="0"/>
+                          <a:cs typeface="Arial" panose="020B0604020202020204" pitchFamily="34" charset="0"/>
+                        </a:rPr>
                         <a:t>Checking_cvresultscomparison_002_usingforfunction</a:t>
                       </a:r>
                     </a:p>
@@ -3998,7 +4035,10 @@
                     <a:bodyPr/>
                     <a:lstStyle/>
                     <a:p>
-                      <a:endParaRPr lang="en-NZ" sz="1100" dirty="0"/>
+                      <a:endParaRPr lang="en-NZ" sz="1100" dirty="0">
+                        <a:latin typeface="Arial" panose="020B0604020202020204" pitchFamily="34" charset="0"/>
+                        <a:cs typeface="Arial" panose="020B0604020202020204" pitchFamily="34" charset="0"/>
+                      </a:endParaRPr>
                     </a:p>
                   </a:txBody>
                   <a:tcPr anchor="ctr">
@@ -4055,7 +4095,10 @@
                     <a:lstStyle/>
                     <a:p>
                       <a:r>
-                        <a:rPr lang="en-NZ" sz="1100" dirty="0"/>
+                        <a:rPr lang="en-NZ" sz="1100" dirty="0">
+                          <a:latin typeface="Arial" panose="020B0604020202020204" pitchFamily="34" charset="0"/>
+                          <a:cs typeface="Arial" panose="020B0604020202020204" pitchFamily="34" charset="0"/>
+                        </a:rPr>
                         <a:t>Generate other CVs</a:t>
                       </a:r>
                     </a:p>
@@ -4113,7 +4156,10 @@
                     <a:bodyPr/>
                     <a:lstStyle/>
                     <a:p>
-                      <a:endParaRPr lang="en-NZ" sz="1100" dirty="0"/>
+                      <a:endParaRPr lang="en-NZ" sz="1100" dirty="0">
+                        <a:latin typeface="Arial" panose="020B0604020202020204" pitchFamily="34" charset="0"/>
+                        <a:cs typeface="Arial" panose="020B0604020202020204" pitchFamily="34" charset="0"/>
+                      </a:endParaRPr>
                     </a:p>
                   </a:txBody>
                   <a:tcPr anchor="ctr">
@@ -4177,10 +4223,16 @@
                     <a:lstStyle/>
                     <a:p>
                       <a:r>
-                        <a:rPr lang="en-NZ" sz="1100" dirty="0" err="1"/>
+                        <a:rPr lang="en-NZ" sz="1100" dirty="0" err="1">
+                          <a:latin typeface="Arial" panose="020B0604020202020204" pitchFamily="34" charset="0"/>
+                          <a:cs typeface="Arial" panose="020B0604020202020204" pitchFamily="34" charset="0"/>
+                        </a:rPr>
                         <a:t>DEM_hillshade_forpresentinginsitesection.ipynb</a:t>
                       </a:r>
-                      <a:endParaRPr lang="en-NZ" sz="1100" dirty="0"/>
+                      <a:endParaRPr lang="en-NZ" sz="1100" dirty="0">
+                        <a:latin typeface="Arial" panose="020B0604020202020204" pitchFamily="34" charset="0"/>
+                        <a:cs typeface="Arial" panose="020B0604020202020204" pitchFamily="34" charset="0"/>
+                      </a:endParaRPr>
                     </a:p>
                   </a:txBody>
                   <a:tcPr anchor="ctr">
@@ -4237,10 +4289,16 @@
                     <a:lstStyle/>
                     <a:p>
                       <a:r>
-                        <a:rPr lang="en-NZ" sz="1100" dirty="0" err="1"/>
+                        <a:rPr lang="en-NZ" sz="1100" dirty="0" err="1">
+                          <a:latin typeface="Arial" panose="020B0604020202020204" pitchFamily="34" charset="0"/>
+                          <a:cs typeface="Arial" panose="020B0604020202020204" pitchFamily="34" charset="0"/>
+                        </a:rPr>
                         <a:t>DEM_hillshade</a:t>
                       </a:r>
-                      <a:endParaRPr lang="en-NZ" sz="1100" dirty="0"/>
+                      <a:endParaRPr lang="en-NZ" sz="1100" dirty="0">
+                        <a:latin typeface="Arial" panose="020B0604020202020204" pitchFamily="34" charset="0"/>
+                        <a:cs typeface="Arial" panose="020B0604020202020204" pitchFamily="34" charset="0"/>
+                      </a:endParaRPr>
                     </a:p>
                   </a:txBody>
                   <a:tcPr anchor="ctr">
@@ -4297,15 +4355,24 @@
                     <a:lstStyle/>
                     <a:p>
                       <a:r>
-                        <a:rPr lang="en-NZ" sz="1100" dirty="0"/>
+                        <a:rPr lang="en-NZ" sz="1100" dirty="0">
+                          <a:latin typeface="Arial" panose="020B0604020202020204" pitchFamily="34" charset="0"/>
+                          <a:cs typeface="Arial" panose="020B0604020202020204" pitchFamily="34" charset="0"/>
+                        </a:rPr>
                         <a:t>Generate </a:t>
                       </a:r>
                       <a:r>
-                        <a:rPr lang="en-NZ" sz="1100" dirty="0" err="1"/>
+                        <a:rPr lang="en-NZ" sz="1100" dirty="0" err="1">
+                          <a:latin typeface="Arial" panose="020B0604020202020204" pitchFamily="34" charset="0"/>
+                          <a:cs typeface="Arial" panose="020B0604020202020204" pitchFamily="34" charset="0"/>
+                        </a:rPr>
                         <a:t>hillshaded</a:t>
                       </a:r>
                       <a:r>
-                        <a:rPr lang="en-NZ" sz="1100" dirty="0"/>
+                        <a:rPr lang="en-NZ" sz="1100" dirty="0">
+                          <a:latin typeface="Arial" panose="020B0604020202020204" pitchFamily="34" charset="0"/>
+                          <a:cs typeface="Arial" panose="020B0604020202020204" pitchFamily="34" charset="0"/>
+                        </a:rPr>
                         <a:t> DEM for manuscript</a:t>
                       </a:r>
                     </a:p>
@@ -4364,15 +4431,24 @@
                     <a:lstStyle/>
                     <a:p>
                       <a:r>
-                        <a:rPr lang="en-NZ" sz="1100" dirty="0"/>
+                        <a:rPr lang="en-NZ" sz="1100" dirty="0">
+                          <a:latin typeface="Arial" panose="020B0604020202020204" pitchFamily="34" charset="0"/>
+                          <a:cs typeface="Arial" panose="020B0604020202020204" pitchFamily="34" charset="0"/>
+                        </a:rPr>
                         <a:t>It was combined with NZ </a:t>
                       </a:r>
                       <a:r>
-                        <a:rPr lang="en-NZ" sz="1100" dirty="0" err="1"/>
+                        <a:rPr lang="en-NZ" sz="1100" dirty="0" err="1">
+                          <a:latin typeface="Arial" panose="020B0604020202020204" pitchFamily="34" charset="0"/>
+                          <a:cs typeface="Arial" panose="020B0604020202020204" pitchFamily="34" charset="0"/>
+                        </a:rPr>
                         <a:t>basemap</a:t>
                       </a:r>
                       <a:r>
-                        <a:rPr lang="en-NZ" sz="1100" dirty="0"/>
+                        <a:rPr lang="en-NZ" sz="1100" dirty="0">
+                          <a:latin typeface="Arial" panose="020B0604020202020204" pitchFamily="34" charset="0"/>
+                          <a:cs typeface="Arial" panose="020B0604020202020204" pitchFamily="34" charset="0"/>
+                        </a:rPr>
                         <a:t> and Aerial image to describe the site study in manuscript</a:t>
                       </a:r>
                     </a:p>
@@ -4438,10 +4514,16 @@
                     <a:lstStyle/>
                     <a:p>
                       <a:r>
-                        <a:rPr lang="en-NZ" sz="1100" dirty="0" err="1"/>
+                        <a:rPr lang="en-NZ" sz="1100" dirty="0" err="1">
+                          <a:latin typeface="Arial" panose="020B0604020202020204" pitchFamily="34" charset="0"/>
+                          <a:cs typeface="Arial" panose="020B0604020202020204" pitchFamily="34" charset="0"/>
+                        </a:rPr>
                         <a:t>Flow_Tide.ipynb</a:t>
                       </a:r>
-                      <a:endParaRPr lang="en-NZ" sz="1100" dirty="0"/>
+                      <a:endParaRPr lang="en-NZ" sz="1100" dirty="0">
+                        <a:latin typeface="Arial" panose="020B0604020202020204" pitchFamily="34" charset="0"/>
+                        <a:cs typeface="Arial" panose="020B0604020202020204" pitchFamily="34" charset="0"/>
+                      </a:endParaRPr>
                     </a:p>
                   </a:txBody>
                   <a:tcPr anchor="ctr">
@@ -4498,10 +4580,16 @@
                     <a:lstStyle/>
                     <a:p>
                       <a:r>
-                        <a:rPr lang="en-NZ" sz="1100" dirty="0" err="1"/>
+                        <a:rPr lang="en-NZ" sz="1100" dirty="0" err="1">
+                          <a:latin typeface="Arial" panose="020B0604020202020204" pitchFamily="34" charset="0"/>
+                          <a:cs typeface="Arial" panose="020B0604020202020204" pitchFamily="34" charset="0"/>
+                        </a:rPr>
                         <a:t>Flow_Tide</a:t>
                       </a:r>
-                      <a:endParaRPr lang="en-NZ" sz="1100" dirty="0"/>
+                      <a:endParaRPr lang="en-NZ" sz="1100" dirty="0">
+                        <a:latin typeface="Arial" panose="020B0604020202020204" pitchFamily="34" charset="0"/>
+                        <a:cs typeface="Arial" panose="020B0604020202020204" pitchFamily="34" charset="0"/>
+                      </a:endParaRPr>
                     </a:p>
                   </a:txBody>
                   <a:tcPr anchor="ctr">
@@ -4558,7 +4646,10 @@
                     <a:lstStyle/>
                     <a:p>
                       <a:r>
-                        <a:rPr lang="en-NZ" sz="1100" dirty="0"/>
+                        <a:rPr lang="en-NZ" sz="1100" dirty="0">
+                          <a:latin typeface="Arial" panose="020B0604020202020204" pitchFamily="34" charset="0"/>
+                          <a:cs typeface="Arial" panose="020B0604020202020204" pitchFamily="34" charset="0"/>
+                        </a:rPr>
                         <a:t>Generate figures for flow, tide, and combination of them</a:t>
                       </a:r>
                     </a:p>
@@ -4617,7 +4708,10 @@
                     <a:lstStyle/>
                     <a:p>
                       <a:r>
-                        <a:rPr lang="en-NZ" sz="1100" dirty="0"/>
+                        <a:rPr lang="en-NZ" sz="1100" dirty="0">
+                          <a:latin typeface="Arial" panose="020B0604020202020204" pitchFamily="34" charset="0"/>
+                          <a:cs typeface="Arial" panose="020B0604020202020204" pitchFamily="34" charset="0"/>
+                        </a:rPr>
                         <a:t>Only the combination was chosen in the manuscript</a:t>
                       </a:r>
                     </a:p>
@@ -4683,10 +4777,16 @@
                     <a:lstStyle/>
                     <a:p>
                       <a:r>
-                        <a:rPr lang="en-NZ" sz="1100" dirty="0" err="1"/>
+                        <a:rPr lang="en-NZ" sz="1100" dirty="0" err="1">
+                          <a:latin typeface="Arial" panose="020B0604020202020204" pitchFamily="34" charset="0"/>
+                          <a:cs typeface="Arial" panose="020B0604020202020204" pitchFamily="34" charset="0"/>
+                        </a:rPr>
                         <a:t>Flow_Multiple_Events.ipynb</a:t>
                       </a:r>
-                      <a:endParaRPr lang="en-NZ" sz="1100" dirty="0"/>
+                      <a:endParaRPr lang="en-NZ" sz="1100" dirty="0">
+                        <a:latin typeface="Arial" panose="020B0604020202020204" pitchFamily="34" charset="0"/>
+                        <a:cs typeface="Arial" panose="020B0604020202020204" pitchFamily="34" charset="0"/>
+                      </a:endParaRPr>
                     </a:p>
                   </a:txBody>
                   <a:tcPr anchor="ctr">
@@ -4743,10 +4843,16 @@
                     <a:lstStyle/>
                     <a:p>
                       <a:r>
-                        <a:rPr lang="en-NZ" sz="1100" dirty="0" err="1"/>
+                        <a:rPr lang="en-NZ" sz="1100" dirty="0" err="1">
+                          <a:latin typeface="Arial" panose="020B0604020202020204" pitchFamily="34" charset="0"/>
+                          <a:cs typeface="Arial" panose="020B0604020202020204" pitchFamily="34" charset="0"/>
+                        </a:rPr>
                         <a:t>Flow_multiple_events</a:t>
                       </a:r>
-                      <a:endParaRPr lang="en-NZ" sz="1100" dirty="0"/>
+                      <a:endParaRPr lang="en-NZ" sz="1100" dirty="0">
+                        <a:latin typeface="Arial" panose="020B0604020202020204" pitchFamily="34" charset="0"/>
+                        <a:cs typeface="Arial" panose="020B0604020202020204" pitchFamily="34" charset="0"/>
+                      </a:endParaRPr>
                     </a:p>
                   </a:txBody>
                   <a:tcPr anchor="ctr">
@@ -4803,7 +4909,10 @@
                     <a:lstStyle/>
                     <a:p>
                       <a:r>
-                        <a:rPr lang="en-NZ" sz="1100" dirty="0"/>
+                        <a:rPr lang="en-NZ" sz="1100" dirty="0">
+                          <a:latin typeface="Arial" panose="020B0604020202020204" pitchFamily="34" charset="0"/>
+                          <a:cs typeface="Arial" panose="020B0604020202020204" pitchFamily="34" charset="0"/>
+                        </a:rPr>
                         <a:t>Generate 6 flow data for flood return periods (csv format) and figure of their hydrograph in manuscript</a:t>
                       </a:r>
                     </a:p>
@@ -4861,7 +4970,10 @@
                     <a:bodyPr/>
                     <a:lstStyle/>
                     <a:p>
-                      <a:endParaRPr lang="en-NZ" sz="1100" dirty="0"/>
+                      <a:endParaRPr lang="en-NZ" sz="1100" dirty="0">
+                        <a:latin typeface="Arial" panose="020B0604020202020204" pitchFamily="34" charset="0"/>
+                        <a:cs typeface="Arial" panose="020B0604020202020204" pitchFamily="34" charset="0"/>
+                      </a:endParaRPr>
                     </a:p>
                   </a:txBody>
                   <a:tcPr anchor="ctr">
@@ -4925,10 +5037,16 @@
                     <a:lstStyle/>
                     <a:p>
                       <a:r>
-                        <a:rPr lang="en-NZ" sz="1100" dirty="0" err="1"/>
+                        <a:rPr lang="en-NZ" sz="1100" dirty="0" err="1">
+                          <a:latin typeface="Arial" panose="020B0604020202020204" pitchFamily="34" charset="0"/>
+                          <a:cs typeface="Arial" panose="020B0604020202020204" pitchFamily="34" charset="0"/>
+                        </a:rPr>
                         <a:t>Grid_Orientation_Example.ipynb</a:t>
                       </a:r>
-                      <a:endParaRPr lang="en-NZ" sz="1100" dirty="0"/>
+                      <a:endParaRPr lang="en-NZ" sz="1100" dirty="0">
+                        <a:latin typeface="Arial" panose="020B0604020202020204" pitchFamily="34" charset="0"/>
+                        <a:cs typeface="Arial" panose="020B0604020202020204" pitchFamily="34" charset="0"/>
+                      </a:endParaRPr>
                     </a:p>
                   </a:txBody>
                   <a:tcPr anchor="ctr">
@@ -4985,7 +5103,10 @@
                     <a:lstStyle/>
                     <a:p>
                       <a:r>
-                        <a:rPr lang="en-NZ" sz="1100" dirty="0"/>
+                        <a:rPr lang="en-NZ" sz="1100" dirty="0">
+                          <a:latin typeface="Arial" panose="020B0604020202020204" pitchFamily="34" charset="0"/>
+                          <a:cs typeface="Arial" panose="020B0604020202020204" pitchFamily="34" charset="0"/>
+                        </a:rPr>
                         <a:t>Problem</a:t>
                       </a:r>
                     </a:p>
@@ -5044,7 +5165,10 @@
                     <a:lstStyle/>
                     <a:p>
                       <a:r>
-                        <a:rPr lang="en-NZ" sz="1100" dirty="0"/>
+                        <a:rPr lang="en-NZ" sz="1100" dirty="0">
+                          <a:latin typeface="Arial" panose="020B0604020202020204" pitchFamily="34" charset="0"/>
+                          <a:cs typeface="Arial" panose="020B0604020202020204" pitchFamily="34" charset="0"/>
+                        </a:rPr>
                         <a:t>Generate river profiles of North-South square grid and 45-degree rotated grid for manuscript</a:t>
                       </a:r>
                     </a:p>
@@ -5102,7 +5226,10 @@
                     <a:bodyPr/>
                     <a:lstStyle/>
                     <a:p>
-                      <a:endParaRPr lang="en-NZ" sz="1100" dirty="0"/>
+                      <a:endParaRPr lang="en-NZ" sz="1100" dirty="0">
+                        <a:latin typeface="Arial" panose="020B0604020202020204" pitchFamily="34" charset="0"/>
+                        <a:cs typeface="Arial" panose="020B0604020202020204" pitchFamily="34" charset="0"/>
+                      </a:endParaRPr>
                     </a:p>
                   </a:txBody>
                   <a:tcPr anchor="ctr">
@@ -5166,10 +5293,16 @@
                     <a:lstStyle/>
                     <a:p>
                       <a:r>
-                        <a:rPr lang="en-NZ" sz="1100" dirty="0" err="1"/>
+                        <a:rPr lang="en-NZ" sz="1100" dirty="0" err="1">
+                          <a:latin typeface="Arial" panose="020B0604020202020204" pitchFamily="34" charset="0"/>
+                          <a:cs typeface="Arial" panose="020B0604020202020204" pitchFamily="34" charset="0"/>
+                        </a:rPr>
                         <a:t>PPT_similarity_sd_elev_wd.ipynb</a:t>
                       </a:r>
-                      <a:endParaRPr lang="en-NZ" sz="1100" dirty="0"/>
+                      <a:endParaRPr lang="en-NZ" sz="1100" dirty="0">
+                        <a:latin typeface="Arial" panose="020B0604020202020204" pitchFamily="34" charset="0"/>
+                        <a:cs typeface="Arial" panose="020B0604020202020204" pitchFamily="34" charset="0"/>
+                      </a:endParaRPr>
                     </a:p>
                   </a:txBody>
                   <a:tcPr anchor="ctr">
@@ -5226,10 +5359,16 @@
                     <a:lstStyle/>
                     <a:p>
                       <a:r>
-                        <a:rPr lang="en-NZ" sz="1100" dirty="0" err="1"/>
+                        <a:rPr lang="en-NZ" sz="1100" dirty="0" err="1">
+                          <a:latin typeface="Arial" panose="020B0604020202020204" pitchFamily="34" charset="0"/>
+                          <a:cs typeface="Arial" panose="020B0604020202020204" pitchFamily="34" charset="0"/>
+                        </a:rPr>
                         <a:t>Ppt_adjustment</a:t>
                       </a:r>
-                      <a:endParaRPr lang="en-NZ" sz="1100" dirty="0"/>
+                      <a:endParaRPr lang="en-NZ" sz="1100" dirty="0">
+                        <a:latin typeface="Arial" panose="020B0604020202020204" pitchFamily="34" charset="0"/>
+                        <a:cs typeface="Arial" panose="020B0604020202020204" pitchFamily="34" charset="0"/>
+                      </a:endParaRPr>
                     </a:p>
                   </a:txBody>
                   <a:tcPr anchor="ctr">
@@ -5286,7 +5425,10 @@
                     <a:lstStyle/>
                     <a:p>
                       <a:r>
-                        <a:rPr lang="en-NZ" sz="1100" dirty="0"/>
+                        <a:rPr lang="en-NZ" sz="1100" dirty="0">
+                          <a:latin typeface="Arial" panose="020B0604020202020204" pitchFamily="34" charset="0"/>
+                          <a:cs typeface="Arial" panose="020B0604020202020204" pitchFamily="34" charset="0"/>
+                        </a:rPr>
                         <a:t>Generate high resolution figure for manuscript</a:t>
                       </a:r>
                     </a:p>
@@ -5344,7 +5486,10 @@
                     <a:bodyPr/>
                     <a:lstStyle/>
                     <a:p>
-                      <a:endParaRPr lang="en-NZ" sz="1100" dirty="0"/>
+                      <a:endParaRPr lang="en-NZ" sz="1100" dirty="0">
+                        <a:latin typeface="Arial" panose="020B0604020202020204" pitchFamily="34" charset="0"/>
+                        <a:cs typeface="Arial" panose="020B0604020202020204" pitchFamily="34" charset="0"/>
+                      </a:endParaRPr>
                     </a:p>
                   </a:txBody>
                   <a:tcPr anchor="ctr">
@@ -5408,10 +5553,16 @@
                     <a:lstStyle/>
                     <a:p>
                       <a:r>
-                        <a:rPr lang="en-NZ" sz="1100" dirty="0" err="1"/>
+                        <a:rPr lang="en-NZ" sz="1100" dirty="0" err="1">
+                          <a:latin typeface="Arial" panose="020B0604020202020204" pitchFamily="34" charset="0"/>
+                          <a:cs typeface="Arial" panose="020B0604020202020204" pitchFamily="34" charset="0"/>
+                        </a:rPr>
                         <a:t>Check_percentage_of_numberofpixel_in_each_map.ipynb</a:t>
                       </a:r>
-                      <a:endParaRPr lang="en-NZ" sz="1100" dirty="0"/>
+                      <a:endParaRPr lang="en-NZ" sz="1100" dirty="0">
+                        <a:latin typeface="Arial" panose="020B0604020202020204" pitchFamily="34" charset="0"/>
+                        <a:cs typeface="Arial" panose="020B0604020202020204" pitchFamily="34" charset="0"/>
+                      </a:endParaRPr>
                     </a:p>
                   </a:txBody>
                   <a:tcPr anchor="ctr">
@@ -5468,7 +5619,10 @@
                     <a:lstStyle/>
                     <a:p>
                       <a:r>
-                        <a:rPr lang="en-NZ" sz="1100" dirty="0"/>
+                        <a:rPr lang="en-NZ" sz="1100" dirty="0">
+                          <a:latin typeface="Arial" panose="020B0604020202020204" pitchFamily="34" charset="0"/>
+                          <a:cs typeface="Arial" panose="020B0604020202020204" pitchFamily="34" charset="0"/>
+                        </a:rPr>
                         <a:t>N/A</a:t>
                       </a:r>
                     </a:p>
@@ -5527,7 +5681,10 @@
                     <a:lstStyle/>
                     <a:p>
                       <a:r>
-                        <a:rPr lang="en-NZ" sz="1100" dirty="0"/>
+                        <a:rPr lang="en-NZ" sz="1100" dirty="0">
+                          <a:latin typeface="Arial" panose="020B0604020202020204" pitchFamily="34" charset="0"/>
+                          <a:cs typeface="Arial" panose="020B0604020202020204" pitchFamily="34" charset="0"/>
+                        </a:rPr>
                         <a:t>Check the statistical values for manuscript</a:t>
                       </a:r>
                     </a:p>
@@ -5585,7 +5742,10 @@
                     <a:bodyPr/>
                     <a:lstStyle/>
                     <a:p>
-                      <a:endParaRPr lang="en-NZ" sz="1100" dirty="0"/>
+                      <a:endParaRPr lang="en-NZ" sz="1100" dirty="0">
+                        <a:latin typeface="Arial" panose="020B0604020202020204" pitchFamily="34" charset="0"/>
+                        <a:cs typeface="Arial" panose="020B0604020202020204" pitchFamily="34" charset="0"/>
+                      </a:endParaRPr>
                     </a:p>
                   </a:txBody>
                   <a:tcPr anchor="ctr">
@@ -5649,7 +5809,10 @@
                     <a:lstStyle/>
                     <a:p>
                       <a:r>
-                        <a:rPr lang="en-NZ" sz="1100" dirty="0"/>
+                        <a:rPr lang="en-NZ" sz="1100" dirty="0">
+                          <a:latin typeface="Arial" panose="020B0604020202020204" pitchFamily="34" charset="0"/>
+                          <a:cs typeface="Arial" panose="020B0604020202020204" pitchFamily="34" charset="0"/>
+                        </a:rPr>
                         <a:t>N/A</a:t>
                       </a:r>
                     </a:p>
@@ -5708,18 +5871,30 @@
                     <a:lstStyle/>
                     <a:p>
                       <a:r>
-                        <a:rPr lang="en-NZ" sz="1100" dirty="0" err="1"/>
+                        <a:rPr lang="en-NZ" sz="1100" dirty="0" err="1">
+                          <a:latin typeface="Arial" panose="020B0604020202020204" pitchFamily="34" charset="0"/>
+                          <a:cs typeface="Arial" panose="020B0604020202020204" pitchFamily="34" charset="0"/>
+                        </a:rPr>
                         <a:t>All_results</a:t>
                       </a:r>
                       <a:r>
-                        <a:rPr lang="en-NZ" sz="1100" dirty="0"/>
+                        <a:rPr lang="en-NZ" sz="1100" dirty="0">
+                          <a:latin typeface="Arial" panose="020B0604020202020204" pitchFamily="34" charset="0"/>
+                          <a:cs typeface="Arial" panose="020B0604020202020204" pitchFamily="34" charset="0"/>
+                        </a:rPr>
                         <a:t>/</a:t>
                       </a:r>
                       <a:r>
-                        <a:rPr lang="en-NZ" sz="1100" dirty="0" err="1"/>
+                        <a:rPr lang="en-NZ" sz="1100" dirty="0" err="1">
+                          <a:latin typeface="Arial" panose="020B0604020202020204" pitchFamily="34" charset="0"/>
+                          <a:cs typeface="Arial" panose="020B0604020202020204" pitchFamily="34" charset="0"/>
+                        </a:rPr>
                         <a:t>Boxplots_comparison</a:t>
                       </a:r>
-                      <a:endParaRPr lang="en-NZ" sz="1100" dirty="0"/>
+                      <a:endParaRPr lang="en-NZ" sz="1100" dirty="0">
+                        <a:latin typeface="Arial" panose="020B0604020202020204" pitchFamily="34" charset="0"/>
+                        <a:cs typeface="Arial" panose="020B0604020202020204" pitchFamily="34" charset="0"/>
+                      </a:endParaRPr>
                     </a:p>
                   </a:txBody>
                   <a:tcPr anchor="ctr">
@@ -5776,7 +5951,10 @@
                     <a:lstStyle/>
                     <a:p>
                       <a:r>
-                        <a:rPr lang="en-NZ" sz="1100" dirty="0"/>
+                        <a:rPr lang="en-NZ" sz="1100" dirty="0">
+                          <a:latin typeface="Arial" panose="020B0604020202020204" pitchFamily="34" charset="0"/>
+                          <a:cs typeface="Arial" panose="020B0604020202020204" pitchFamily="34" charset="0"/>
+                        </a:rPr>
                         <a:t>Generated from simulation script (Comparing file) for manuscript</a:t>
                       </a:r>
                     </a:p>
@@ -5835,7 +6013,10 @@
                     <a:lstStyle/>
                     <a:p>
                       <a:r>
-                        <a:rPr lang="en-NZ" sz="1100" dirty="0"/>
+                        <a:rPr lang="en-NZ" sz="1100" dirty="0">
+                          <a:latin typeface="Arial" panose="020B0604020202020204" pitchFamily="34" charset="0"/>
+                          <a:cs typeface="Arial" panose="020B0604020202020204" pitchFamily="34" charset="0"/>
+                        </a:rPr>
                         <a:t>These files were stored in this folder because we would like to use simulation folder just for simulating</a:t>
                       </a:r>
                     </a:p>
@@ -5901,7 +6082,10 @@
                     <a:lstStyle/>
                     <a:p>
                       <a:r>
-                        <a:rPr lang="en-NZ" sz="1100" dirty="0"/>
+                        <a:rPr lang="en-NZ" sz="1100" dirty="0">
+                          <a:latin typeface="Arial" panose="020B0604020202020204" pitchFamily="34" charset="0"/>
+                          <a:cs typeface="Arial" panose="020B0604020202020204" pitchFamily="34" charset="0"/>
+                        </a:rPr>
                         <a:t>N/A</a:t>
                       </a:r>
                     </a:p>
@@ -5960,18 +6144,30 @@
                     <a:lstStyle/>
                     <a:p>
                       <a:r>
-                        <a:rPr lang="en-NZ" sz="1100" dirty="0" err="1"/>
+                        <a:rPr lang="en-NZ" sz="1100" dirty="0" err="1">
+                          <a:latin typeface="Arial" panose="020B0604020202020204" pitchFamily="34" charset="0"/>
+                          <a:cs typeface="Arial" panose="020B0604020202020204" pitchFamily="34" charset="0"/>
+                        </a:rPr>
                         <a:t>All_results</a:t>
                       </a:r>
                       <a:r>
-                        <a:rPr lang="en-NZ" sz="1100" dirty="0"/>
+                        <a:rPr lang="en-NZ" sz="1100" dirty="0">
+                          <a:latin typeface="Arial" panose="020B0604020202020204" pitchFamily="34" charset="0"/>
+                          <a:cs typeface="Arial" panose="020B0604020202020204" pitchFamily="34" charset="0"/>
+                        </a:rPr>
                         <a:t>/</a:t>
                       </a:r>
                       <a:r>
-                        <a:rPr lang="en-NZ" sz="1100" dirty="0" err="1"/>
+                        <a:rPr lang="en-NZ" sz="1100" dirty="0" err="1">
+                          <a:latin typeface="Arial" panose="020B0604020202020204" pitchFamily="34" charset="0"/>
+                          <a:cs typeface="Arial" panose="020B0604020202020204" pitchFamily="34" charset="0"/>
+                        </a:rPr>
                         <a:t>Result_representative</a:t>
                       </a:r>
-                      <a:endParaRPr lang="en-NZ" sz="1100" dirty="0"/>
+                      <a:endParaRPr lang="en-NZ" sz="1100" dirty="0">
+                        <a:latin typeface="Arial" panose="020B0604020202020204" pitchFamily="34" charset="0"/>
+                        <a:cs typeface="Arial" panose="020B0604020202020204" pitchFamily="34" charset="0"/>
+                      </a:endParaRPr>
                     </a:p>
                   </a:txBody>
                   <a:tcPr anchor="ctr">
@@ -6028,7 +6224,10 @@
                     <a:lstStyle/>
                     <a:p>
                       <a:r>
-                        <a:rPr lang="en-NZ" sz="1100" dirty="0"/>
+                        <a:rPr lang="en-NZ" sz="1100" dirty="0">
+                          <a:latin typeface="Arial" panose="020B0604020202020204" pitchFamily="34" charset="0"/>
+                          <a:cs typeface="Arial" panose="020B0604020202020204" pitchFamily="34" charset="0"/>
+                        </a:rPr>
                         <a:t>Generated from simulation script of version rotation and North-East translation for manuscript</a:t>
                       </a:r>
                     </a:p>
@@ -6086,7 +6285,10 @@
                     <a:bodyPr/>
                     <a:lstStyle/>
                     <a:p>
-                      <a:endParaRPr lang="en-NZ" sz="1100" dirty="0"/>
+                      <a:endParaRPr lang="en-NZ" sz="1100" dirty="0">
+                        <a:latin typeface="Arial" panose="020B0604020202020204" pitchFamily="34" charset="0"/>
+                        <a:cs typeface="Arial" panose="020B0604020202020204" pitchFamily="34" charset="0"/>
+                      </a:endParaRPr>
                     </a:p>
                   </a:txBody>
                   <a:tcPr anchor="ctr">
@@ -6150,7 +6352,10 @@
                     <a:lstStyle/>
                     <a:p>
                       <a:r>
-                        <a:rPr lang="en-NZ" sz="1100" dirty="0"/>
+                        <a:rPr lang="en-NZ" sz="1100" dirty="0">
+                          <a:latin typeface="Arial" panose="020B0604020202020204" pitchFamily="34" charset="0"/>
+                          <a:cs typeface="Arial" panose="020B0604020202020204" pitchFamily="34" charset="0"/>
+                        </a:rPr>
                         <a:t>N/A</a:t>
                       </a:r>
                     </a:p>
@@ -6209,10 +6414,16 @@
                     <a:lstStyle/>
                     <a:p>
                       <a:r>
-                        <a:rPr lang="en-NZ" sz="1100" dirty="0" err="1"/>
+                        <a:rPr lang="en-NZ" sz="1100" dirty="0" err="1">
+                          <a:latin typeface="Arial" panose="020B0604020202020204" pitchFamily="34" charset="0"/>
+                          <a:cs typeface="Arial" panose="020B0604020202020204" pitchFamily="34" charset="0"/>
+                        </a:rPr>
                         <a:t>Simulation_process</a:t>
                       </a:r>
-                      <a:endParaRPr lang="en-NZ" sz="1100" dirty="0"/>
+                      <a:endParaRPr lang="en-NZ" sz="1100" dirty="0">
+                        <a:latin typeface="Arial" panose="020B0604020202020204" pitchFamily="34" charset="0"/>
+                        <a:cs typeface="Arial" panose="020B0604020202020204" pitchFamily="34" charset="0"/>
+                      </a:endParaRPr>
                     </a:p>
                   </a:txBody>
                   <a:tcPr anchor="ctr">
@@ -6269,7 +6480,10 @@
                     <a:lstStyle/>
                     <a:p>
                       <a:r>
-                        <a:rPr lang="en-NZ" sz="1100" dirty="0"/>
+                        <a:rPr lang="en-NZ" sz="1100" dirty="0">
+                          <a:latin typeface="Arial" panose="020B0604020202020204" pitchFamily="34" charset="0"/>
+                          <a:cs typeface="Arial" panose="020B0604020202020204" pitchFamily="34" charset="0"/>
+                        </a:rPr>
                         <a:t>Generate workflow for simulation process</a:t>
                       </a:r>
                     </a:p>
@@ -6327,7 +6541,10 @@
                     <a:bodyPr/>
                     <a:lstStyle/>
                     <a:p>
-                      <a:endParaRPr lang="en-NZ" sz="1100" dirty="0"/>
+                      <a:endParaRPr lang="en-NZ" sz="1100" dirty="0">
+                        <a:latin typeface="Arial" panose="020B0604020202020204" pitchFamily="34" charset="0"/>
+                        <a:cs typeface="Arial" panose="020B0604020202020204" pitchFamily="34" charset="0"/>
+                      </a:endParaRPr>
                     </a:p>
                   </a:txBody>
                   <a:tcPr anchor="ctr">
@@ -6391,7 +6608,10 @@
                     <a:lstStyle/>
                     <a:p>
                       <a:r>
-                        <a:rPr lang="en-NZ" sz="1100" dirty="0"/>
+                        <a:rPr lang="en-NZ" sz="1100" dirty="0">
+                          <a:latin typeface="Arial" panose="020B0604020202020204" pitchFamily="34" charset="0"/>
+                          <a:cs typeface="Arial" panose="020B0604020202020204" pitchFamily="34" charset="0"/>
+                        </a:rPr>
                         <a:t>N/A</a:t>
                       </a:r>
                     </a:p>
@@ -6450,10 +6670,16 @@
                     <a:lstStyle/>
                     <a:p>
                       <a:r>
-                        <a:rPr lang="en-NZ" sz="1100" dirty="0" err="1"/>
+                        <a:rPr lang="en-NZ" sz="1100" dirty="0" err="1">
+                          <a:latin typeface="Arial" panose="020B0604020202020204" pitchFamily="34" charset="0"/>
+                          <a:cs typeface="Arial" panose="020B0604020202020204" pitchFamily="34" charset="0"/>
+                        </a:rPr>
                         <a:t>Nesi_instruction</a:t>
                       </a:r>
-                      <a:endParaRPr lang="en-NZ" sz="1100" dirty="0"/>
+                      <a:endParaRPr lang="en-NZ" sz="1100" dirty="0">
+                        <a:latin typeface="Arial" panose="020B0604020202020204" pitchFamily="34" charset="0"/>
+                        <a:cs typeface="Arial" panose="020B0604020202020204" pitchFamily="34" charset="0"/>
+                      </a:endParaRPr>
                     </a:p>
                   </a:txBody>
                   <a:tcPr anchor="ctr">
@@ -6510,23 +6736,38 @@
                     <a:lstStyle/>
                     <a:p>
                       <a:r>
-                        <a:rPr lang="en-NZ" sz="1100" dirty="0"/>
+                        <a:rPr lang="en-NZ" sz="1100" dirty="0">
+                          <a:latin typeface="Arial" panose="020B0604020202020204" pitchFamily="34" charset="0"/>
+                          <a:cs typeface="Arial" panose="020B0604020202020204" pitchFamily="34" charset="0"/>
+                        </a:rPr>
                         <a:t>Simple instruction about how to use </a:t>
                       </a:r>
                       <a:r>
-                        <a:rPr lang="en-NZ" sz="1100" dirty="0" err="1"/>
+                        <a:rPr lang="en-NZ" sz="1100" dirty="0" err="1">
+                          <a:latin typeface="Arial" panose="020B0604020202020204" pitchFamily="34" charset="0"/>
+                          <a:cs typeface="Arial" panose="020B0604020202020204" pitchFamily="34" charset="0"/>
+                        </a:rPr>
                         <a:t>Nesi</a:t>
                       </a:r>
                       <a:r>
-                        <a:rPr lang="en-NZ" sz="1100" dirty="0"/>
+                        <a:rPr lang="en-NZ" sz="1100" dirty="0">
+                          <a:latin typeface="Arial" panose="020B0604020202020204" pitchFamily="34" charset="0"/>
+                          <a:cs typeface="Arial" panose="020B0604020202020204" pitchFamily="34" charset="0"/>
+                        </a:rPr>
                         <a:t> and to simulate flood predictions and how to move files between </a:t>
                       </a:r>
                       <a:r>
-                        <a:rPr lang="en-NZ" sz="1100" dirty="0" err="1"/>
+                        <a:rPr lang="en-NZ" sz="1100" dirty="0" err="1">
+                          <a:latin typeface="Arial" panose="020B0604020202020204" pitchFamily="34" charset="0"/>
+                          <a:cs typeface="Arial" panose="020B0604020202020204" pitchFamily="34" charset="0"/>
+                        </a:rPr>
                         <a:t>Nesi</a:t>
                       </a:r>
                       <a:r>
-                        <a:rPr lang="en-NZ" sz="1100" dirty="0"/>
+                        <a:rPr lang="en-NZ" sz="1100" dirty="0">
+                          <a:latin typeface="Arial" panose="020B0604020202020204" pitchFamily="34" charset="0"/>
+                          <a:cs typeface="Arial" panose="020B0604020202020204" pitchFamily="34" charset="0"/>
+                        </a:rPr>
                         <a:t> and local computer</a:t>
                       </a:r>
                     </a:p>
@@ -6584,7 +6825,10 @@
                     <a:bodyPr/>
                     <a:lstStyle/>
                     <a:p>
-                      <a:endParaRPr lang="en-NZ" sz="1100" dirty="0"/>
+                      <a:endParaRPr lang="en-NZ" sz="1100" dirty="0">
+                        <a:latin typeface="Arial" panose="020B0604020202020204" pitchFamily="34" charset="0"/>
+                        <a:cs typeface="Arial" panose="020B0604020202020204" pitchFamily="34" charset="0"/>
+                      </a:endParaRPr>
                     </a:p>
                   </a:txBody>
                   <a:tcPr anchor="ctr">

--- a/other_files/file_structure/File_structure.pptx
+++ b/other_files/file_structure/File_structure.pptx
@@ -3362,14 +3362,14 @@
           <p:nvPr>
             <p:extLst>
               <p:ext uri="{D42A27DB-BD31-4B8C-83A1-F6EECF244321}">
-                <p14:modId xmlns:p14="http://schemas.microsoft.com/office/powerpoint/2010/main" val="3151017988"/>
+                <p14:modId xmlns:p14="http://schemas.microsoft.com/office/powerpoint/2010/main" val="637422198"/>
               </p:ext>
             </p:extLst>
           </p:nvPr>
         </p:nvGraphicFramePr>
         <p:xfrm>
           <a:off x="64994" y="619060"/>
-          <a:ext cx="12062012" cy="5745210"/>
+          <a:ext cx="12062012" cy="5619879"/>
         </p:xfrm>
         <a:graphic>
           <a:graphicData uri="http://schemas.openxmlformats.org/drawingml/2006/table">
@@ -3419,7 +3419,7 @@
                           <a:solidFill>
                             <a:schemeClr val="tx1"/>
                           </a:solidFill>
-                          <a:latin typeface="Arial" panose="020B0604020202020204" pitchFamily="34" charset="0"/>
+                          <a:latin typeface="+mj-lt"/>
                           <a:cs typeface="Arial" panose="020B0604020202020204" pitchFamily="34" charset="0"/>
                         </a:rPr>
                         <a:t>Data file</a:t>
@@ -3489,7 +3489,7 @@
                           <a:solidFill>
                             <a:schemeClr val="tx1"/>
                           </a:solidFill>
-                          <a:latin typeface="Arial" panose="020B0604020202020204" pitchFamily="34" charset="0"/>
+                          <a:latin typeface="+mj-lt"/>
                           <a:cs typeface="Arial" panose="020B0604020202020204" pitchFamily="34" charset="0"/>
                         </a:rPr>
                         <a:t>Scripts file</a:t>
@@ -3559,7 +3559,7 @@
                           <a:solidFill>
                             <a:schemeClr val="tx1"/>
                           </a:solidFill>
-                          <a:latin typeface="Arial" panose="020B0604020202020204" pitchFamily="34" charset="0"/>
+                          <a:latin typeface="+mj-lt"/>
                           <a:cs typeface="Arial" panose="020B0604020202020204" pitchFamily="34" charset="0"/>
                         </a:rPr>
                         <a:t>Usage</a:t>
@@ -3629,7 +3629,7 @@
                           <a:solidFill>
                             <a:schemeClr val="tx1"/>
                           </a:solidFill>
-                          <a:latin typeface="Arial" panose="020B0604020202020204" pitchFamily="34" charset="0"/>
+                          <a:latin typeface="+mj-lt"/>
                           <a:cs typeface="Arial" panose="020B0604020202020204" pitchFamily="34" charset="0"/>
                         </a:rPr>
                         <a:t>Notes</a:t>
@@ -3702,7 +3702,7 @@
                     <a:p>
                       <a:r>
                         <a:rPr lang="en-NZ" sz="1100" dirty="0">
-                          <a:latin typeface="Arial" panose="020B0604020202020204" pitchFamily="34" charset="0"/>
+                          <a:latin typeface="+mj-lt"/>
                           <a:cs typeface="Arial" panose="020B0604020202020204" pitchFamily="34" charset="0"/>
                         </a:rPr>
                         <a:t>Checking_cvresultscomparison_001_onebyone</a:t>
@@ -3764,27 +3764,27 @@
                     <a:p>
                       <a:r>
                         <a:rPr lang="en-NZ" sz="1100" dirty="0" err="1">
-                          <a:latin typeface="Arial" panose="020B0604020202020204" pitchFamily="34" charset="0"/>
+                          <a:latin typeface="+mj-lt"/>
                           <a:cs typeface="Arial" panose="020B0604020202020204" pitchFamily="34" charset="0"/>
                         </a:rPr>
                         <a:t>All_results</a:t>
                       </a:r>
                       <a:r>
                         <a:rPr lang="en-NZ" sz="1100" dirty="0">
-                          <a:latin typeface="Arial" panose="020B0604020202020204" pitchFamily="34" charset="0"/>
+                          <a:latin typeface="+mj-lt"/>
                           <a:cs typeface="Arial" panose="020B0604020202020204" pitchFamily="34" charset="0"/>
                         </a:rPr>
                         <a:t>/</a:t>
                       </a:r>
                       <a:r>
                         <a:rPr lang="en-NZ" sz="1100" dirty="0" err="1">
-                          <a:latin typeface="Arial" panose="020B0604020202020204" pitchFamily="34" charset="0"/>
+                          <a:latin typeface="+mj-lt"/>
                           <a:cs typeface="Arial" panose="020B0604020202020204" pitchFamily="34" charset="0"/>
                         </a:rPr>
                         <a:t>Cv_results_comparison</a:t>
                       </a:r>
                       <a:endParaRPr lang="en-NZ" sz="1100" dirty="0">
-                        <a:latin typeface="Arial" panose="020B0604020202020204" pitchFamily="34" charset="0"/>
+                        <a:latin typeface="+mj-lt"/>
                         <a:cs typeface="Arial" panose="020B0604020202020204" pitchFamily="34" charset="0"/>
                       </a:endParaRPr>
                     </a:p>
@@ -3844,7 +3844,7 @@
                     <a:p>
                       <a:r>
                         <a:rPr lang="en-NZ" sz="1100" dirty="0">
-                          <a:latin typeface="Arial" panose="020B0604020202020204" pitchFamily="34" charset="0"/>
+                          <a:latin typeface="+mj-lt"/>
                           <a:cs typeface="Arial" panose="020B0604020202020204" pitchFamily="34" charset="0"/>
                         </a:rPr>
                         <a:t>Generate CV for rotation and a combination of rotation and North-East translation</a:t>
@@ -3906,7 +3906,7 @@
                     <a:p>
                       <a:r>
                         <a:rPr lang="en-NZ" sz="1100" dirty="0">
-                          <a:latin typeface="Arial" panose="020B0604020202020204" pitchFamily="34" charset="0"/>
+                          <a:latin typeface="+mj-lt"/>
                           <a:cs typeface="Arial" panose="020B0604020202020204" pitchFamily="34" charset="0"/>
                         </a:rPr>
                         <a:t>These files could obviously be generate by the simulation scripts but takes time and not flexible like here</a:t>
@@ -3975,7 +3975,7 @@
                     <a:p>
                       <a:r>
                         <a:rPr lang="en-NZ" sz="1100" dirty="0">
-                          <a:latin typeface="Arial" panose="020B0604020202020204" pitchFamily="34" charset="0"/>
+                          <a:latin typeface="+mj-lt"/>
                           <a:cs typeface="Arial" panose="020B0604020202020204" pitchFamily="34" charset="0"/>
                         </a:rPr>
                         <a:t>Checking_cvresultscomparison_002_usingforfunction</a:t>
@@ -4036,7 +4036,7 @@
                     <a:lstStyle/>
                     <a:p>
                       <a:endParaRPr lang="en-NZ" sz="1100" dirty="0">
-                        <a:latin typeface="Arial" panose="020B0604020202020204" pitchFamily="34" charset="0"/>
+                        <a:latin typeface="+mj-lt"/>
                         <a:cs typeface="Arial" panose="020B0604020202020204" pitchFamily="34" charset="0"/>
                       </a:endParaRPr>
                     </a:p>
@@ -4096,7 +4096,7 @@
                     <a:p>
                       <a:r>
                         <a:rPr lang="en-NZ" sz="1100" dirty="0">
-                          <a:latin typeface="Arial" panose="020B0604020202020204" pitchFamily="34" charset="0"/>
+                          <a:latin typeface="+mj-lt"/>
                           <a:cs typeface="Arial" panose="020B0604020202020204" pitchFamily="34" charset="0"/>
                         </a:rPr>
                         <a:t>Generate other CVs</a:t>
@@ -4157,7 +4157,7 @@
                     <a:lstStyle/>
                     <a:p>
                       <a:endParaRPr lang="en-NZ" sz="1100" dirty="0">
-                        <a:latin typeface="Arial" panose="020B0604020202020204" pitchFamily="34" charset="0"/>
+                        <a:latin typeface="+mj-lt"/>
                         <a:cs typeface="Arial" panose="020B0604020202020204" pitchFamily="34" charset="0"/>
                       </a:endParaRPr>
                     </a:p>
@@ -4224,13 +4224,13 @@
                     <a:p>
                       <a:r>
                         <a:rPr lang="en-NZ" sz="1100" dirty="0" err="1">
-                          <a:latin typeface="Arial" panose="020B0604020202020204" pitchFamily="34" charset="0"/>
+                          <a:latin typeface="+mj-lt"/>
                           <a:cs typeface="Arial" panose="020B0604020202020204" pitchFamily="34" charset="0"/>
                         </a:rPr>
                         <a:t>DEM_hillshade_forpresentinginsitesection.ipynb</a:t>
                       </a:r>
                       <a:endParaRPr lang="en-NZ" sz="1100" dirty="0">
-                        <a:latin typeface="Arial" panose="020B0604020202020204" pitchFamily="34" charset="0"/>
+                        <a:latin typeface="+mj-lt"/>
                         <a:cs typeface="Arial" panose="020B0604020202020204" pitchFamily="34" charset="0"/>
                       </a:endParaRPr>
                     </a:p>
@@ -4290,13 +4290,13 @@
                     <a:p>
                       <a:r>
                         <a:rPr lang="en-NZ" sz="1100" dirty="0" err="1">
-                          <a:latin typeface="Arial" panose="020B0604020202020204" pitchFamily="34" charset="0"/>
+                          <a:latin typeface="+mj-lt"/>
                           <a:cs typeface="Arial" panose="020B0604020202020204" pitchFamily="34" charset="0"/>
                         </a:rPr>
                         <a:t>DEM_hillshade</a:t>
                       </a:r>
                       <a:endParaRPr lang="en-NZ" sz="1100" dirty="0">
-                        <a:latin typeface="Arial" panose="020B0604020202020204" pitchFamily="34" charset="0"/>
+                        <a:latin typeface="+mj-lt"/>
                         <a:cs typeface="Arial" panose="020B0604020202020204" pitchFamily="34" charset="0"/>
                       </a:endParaRPr>
                     </a:p>
@@ -4356,21 +4356,21 @@
                     <a:p>
                       <a:r>
                         <a:rPr lang="en-NZ" sz="1100" dirty="0">
-                          <a:latin typeface="Arial" panose="020B0604020202020204" pitchFamily="34" charset="0"/>
+                          <a:latin typeface="+mj-lt"/>
                           <a:cs typeface="Arial" panose="020B0604020202020204" pitchFamily="34" charset="0"/>
                         </a:rPr>
                         <a:t>Generate </a:t>
                       </a:r>
                       <a:r>
                         <a:rPr lang="en-NZ" sz="1100" dirty="0" err="1">
-                          <a:latin typeface="Arial" panose="020B0604020202020204" pitchFamily="34" charset="0"/>
+                          <a:latin typeface="+mj-lt"/>
                           <a:cs typeface="Arial" panose="020B0604020202020204" pitchFamily="34" charset="0"/>
                         </a:rPr>
                         <a:t>hillshaded</a:t>
                       </a:r>
                       <a:r>
                         <a:rPr lang="en-NZ" sz="1100" dirty="0">
-                          <a:latin typeface="Arial" panose="020B0604020202020204" pitchFamily="34" charset="0"/>
+                          <a:latin typeface="+mj-lt"/>
                           <a:cs typeface="Arial" panose="020B0604020202020204" pitchFamily="34" charset="0"/>
                         </a:rPr>
                         <a:t> DEM for manuscript</a:t>
@@ -4432,21 +4432,21 @@
                     <a:p>
                       <a:r>
                         <a:rPr lang="en-NZ" sz="1100" dirty="0">
-                          <a:latin typeface="Arial" panose="020B0604020202020204" pitchFamily="34" charset="0"/>
+                          <a:latin typeface="+mj-lt"/>
                           <a:cs typeface="Arial" panose="020B0604020202020204" pitchFamily="34" charset="0"/>
                         </a:rPr>
                         <a:t>It was combined with NZ </a:t>
                       </a:r>
                       <a:r>
                         <a:rPr lang="en-NZ" sz="1100" dirty="0" err="1">
-                          <a:latin typeface="Arial" panose="020B0604020202020204" pitchFamily="34" charset="0"/>
+                          <a:latin typeface="+mj-lt"/>
                           <a:cs typeface="Arial" panose="020B0604020202020204" pitchFamily="34" charset="0"/>
                         </a:rPr>
                         <a:t>basemap</a:t>
                       </a:r>
                       <a:r>
                         <a:rPr lang="en-NZ" sz="1100" dirty="0">
-                          <a:latin typeface="Arial" panose="020B0604020202020204" pitchFamily="34" charset="0"/>
+                          <a:latin typeface="+mj-lt"/>
                           <a:cs typeface="Arial" panose="020B0604020202020204" pitchFamily="34" charset="0"/>
                         </a:rPr>
                         <a:t> and Aerial image to describe the site study in manuscript</a:t>
@@ -4515,13 +4515,13 @@
                     <a:p>
                       <a:r>
                         <a:rPr lang="en-NZ" sz="1100" dirty="0" err="1">
-                          <a:latin typeface="Arial" panose="020B0604020202020204" pitchFamily="34" charset="0"/>
+                          <a:latin typeface="+mj-lt"/>
                           <a:cs typeface="Arial" panose="020B0604020202020204" pitchFamily="34" charset="0"/>
                         </a:rPr>
                         <a:t>Flow_Tide.ipynb</a:t>
                       </a:r>
                       <a:endParaRPr lang="en-NZ" sz="1100" dirty="0">
-                        <a:latin typeface="Arial" panose="020B0604020202020204" pitchFamily="34" charset="0"/>
+                        <a:latin typeface="+mj-lt"/>
                         <a:cs typeface="Arial" panose="020B0604020202020204" pitchFamily="34" charset="0"/>
                       </a:endParaRPr>
                     </a:p>
@@ -4581,13 +4581,13 @@
                     <a:p>
                       <a:r>
                         <a:rPr lang="en-NZ" sz="1100" dirty="0" err="1">
-                          <a:latin typeface="Arial" panose="020B0604020202020204" pitchFamily="34" charset="0"/>
+                          <a:latin typeface="+mj-lt"/>
                           <a:cs typeface="Arial" panose="020B0604020202020204" pitchFamily="34" charset="0"/>
                         </a:rPr>
                         <a:t>Flow_Tide</a:t>
                       </a:r>
                       <a:endParaRPr lang="en-NZ" sz="1100" dirty="0">
-                        <a:latin typeface="Arial" panose="020B0604020202020204" pitchFamily="34" charset="0"/>
+                        <a:latin typeface="+mj-lt"/>
                         <a:cs typeface="Arial" panose="020B0604020202020204" pitchFamily="34" charset="0"/>
                       </a:endParaRPr>
                     </a:p>
@@ -4647,7 +4647,7 @@
                     <a:p>
                       <a:r>
                         <a:rPr lang="en-NZ" sz="1100" dirty="0">
-                          <a:latin typeface="Arial" panose="020B0604020202020204" pitchFamily="34" charset="0"/>
+                          <a:latin typeface="+mj-lt"/>
                           <a:cs typeface="Arial" panose="020B0604020202020204" pitchFamily="34" charset="0"/>
                         </a:rPr>
                         <a:t>Generate figures for flow, tide, and combination of them</a:t>
@@ -4709,7 +4709,7 @@
                     <a:p>
                       <a:r>
                         <a:rPr lang="en-NZ" sz="1100" dirty="0">
-                          <a:latin typeface="Arial" panose="020B0604020202020204" pitchFamily="34" charset="0"/>
+                          <a:latin typeface="+mj-lt"/>
                           <a:cs typeface="Arial" panose="020B0604020202020204" pitchFamily="34" charset="0"/>
                         </a:rPr>
                         <a:t>Only the combination was chosen in the manuscript</a:t>
@@ -4778,13 +4778,13 @@
                     <a:p>
                       <a:r>
                         <a:rPr lang="en-NZ" sz="1100" dirty="0" err="1">
-                          <a:latin typeface="Arial" panose="020B0604020202020204" pitchFamily="34" charset="0"/>
+                          <a:latin typeface="+mj-lt"/>
                           <a:cs typeface="Arial" panose="020B0604020202020204" pitchFamily="34" charset="0"/>
                         </a:rPr>
                         <a:t>Flow_Multiple_Events.ipynb</a:t>
                       </a:r>
                       <a:endParaRPr lang="en-NZ" sz="1100" dirty="0">
-                        <a:latin typeface="Arial" panose="020B0604020202020204" pitchFamily="34" charset="0"/>
+                        <a:latin typeface="+mj-lt"/>
                         <a:cs typeface="Arial" panose="020B0604020202020204" pitchFamily="34" charset="0"/>
                       </a:endParaRPr>
                     </a:p>
@@ -4844,13 +4844,13 @@
                     <a:p>
                       <a:r>
                         <a:rPr lang="en-NZ" sz="1100" dirty="0" err="1">
-                          <a:latin typeface="Arial" panose="020B0604020202020204" pitchFamily="34" charset="0"/>
+                          <a:latin typeface="+mj-lt"/>
                           <a:cs typeface="Arial" panose="020B0604020202020204" pitchFamily="34" charset="0"/>
                         </a:rPr>
                         <a:t>Flow_multiple_events</a:t>
                       </a:r>
                       <a:endParaRPr lang="en-NZ" sz="1100" dirty="0">
-                        <a:latin typeface="Arial" panose="020B0604020202020204" pitchFamily="34" charset="0"/>
+                        <a:latin typeface="+mj-lt"/>
                         <a:cs typeface="Arial" panose="020B0604020202020204" pitchFamily="34" charset="0"/>
                       </a:endParaRPr>
                     </a:p>
@@ -4910,7 +4910,7 @@
                     <a:p>
                       <a:r>
                         <a:rPr lang="en-NZ" sz="1100" dirty="0">
-                          <a:latin typeface="Arial" panose="020B0604020202020204" pitchFamily="34" charset="0"/>
+                          <a:latin typeface="+mj-lt"/>
                           <a:cs typeface="Arial" panose="020B0604020202020204" pitchFamily="34" charset="0"/>
                         </a:rPr>
                         <a:t>Generate 6 flow data for flood return periods (csv format) and figure of their hydrograph in manuscript</a:t>
@@ -4971,7 +4971,7 @@
                     <a:lstStyle/>
                     <a:p>
                       <a:endParaRPr lang="en-NZ" sz="1100" dirty="0">
-                        <a:latin typeface="Arial" panose="020B0604020202020204" pitchFamily="34" charset="0"/>
+                        <a:latin typeface="+mj-lt"/>
                         <a:cs typeface="Arial" panose="020B0604020202020204" pitchFamily="34" charset="0"/>
                       </a:endParaRPr>
                     </a:p>
@@ -5038,13 +5038,13 @@
                     <a:p>
                       <a:r>
                         <a:rPr lang="en-NZ" sz="1100" dirty="0" err="1">
-                          <a:latin typeface="Arial" panose="020B0604020202020204" pitchFamily="34" charset="0"/>
+                          <a:latin typeface="+mj-lt"/>
                           <a:cs typeface="Arial" panose="020B0604020202020204" pitchFamily="34" charset="0"/>
                         </a:rPr>
                         <a:t>Grid_Orientation_Example.ipynb</a:t>
                       </a:r>
                       <a:endParaRPr lang="en-NZ" sz="1100" dirty="0">
-                        <a:latin typeface="Arial" panose="020B0604020202020204" pitchFamily="34" charset="0"/>
+                        <a:latin typeface="+mj-lt"/>
                         <a:cs typeface="Arial" panose="020B0604020202020204" pitchFamily="34" charset="0"/>
                       </a:endParaRPr>
                     </a:p>
@@ -5104,7 +5104,7 @@
                     <a:p>
                       <a:r>
                         <a:rPr lang="en-NZ" sz="1100" dirty="0">
-                          <a:latin typeface="Arial" panose="020B0604020202020204" pitchFamily="34" charset="0"/>
+                          <a:latin typeface="+mj-lt"/>
                           <a:cs typeface="Arial" panose="020B0604020202020204" pitchFamily="34" charset="0"/>
                         </a:rPr>
                         <a:t>Problem</a:t>
@@ -5166,7 +5166,7 @@
                     <a:p>
                       <a:r>
                         <a:rPr lang="en-NZ" sz="1100" dirty="0">
-                          <a:latin typeface="Arial" panose="020B0604020202020204" pitchFamily="34" charset="0"/>
+                          <a:latin typeface="+mj-lt"/>
                           <a:cs typeface="Arial" panose="020B0604020202020204" pitchFamily="34" charset="0"/>
                         </a:rPr>
                         <a:t>Generate river profiles of North-South square grid and 45-degree rotated grid for manuscript</a:t>
@@ -5227,7 +5227,7 @@
                     <a:lstStyle/>
                     <a:p>
                       <a:endParaRPr lang="en-NZ" sz="1100" dirty="0">
-                        <a:latin typeface="Arial" panose="020B0604020202020204" pitchFamily="34" charset="0"/>
+                        <a:latin typeface="+mj-lt"/>
                         <a:cs typeface="Arial" panose="020B0604020202020204" pitchFamily="34" charset="0"/>
                       </a:endParaRPr>
                     </a:p>
@@ -5294,13 +5294,13 @@
                     <a:p>
                       <a:r>
                         <a:rPr lang="en-NZ" sz="1100" dirty="0" err="1">
-                          <a:latin typeface="Arial" panose="020B0604020202020204" pitchFamily="34" charset="0"/>
+                          <a:latin typeface="+mj-lt"/>
                           <a:cs typeface="Arial" panose="020B0604020202020204" pitchFamily="34" charset="0"/>
                         </a:rPr>
                         <a:t>PPT_similarity_sd_elev_wd.ipynb</a:t>
                       </a:r>
                       <a:endParaRPr lang="en-NZ" sz="1100" dirty="0">
-                        <a:latin typeface="Arial" panose="020B0604020202020204" pitchFamily="34" charset="0"/>
+                        <a:latin typeface="+mj-lt"/>
                         <a:cs typeface="Arial" panose="020B0604020202020204" pitchFamily="34" charset="0"/>
                       </a:endParaRPr>
                     </a:p>
@@ -5360,13 +5360,13 @@
                     <a:p>
                       <a:r>
                         <a:rPr lang="en-NZ" sz="1100" dirty="0" err="1">
-                          <a:latin typeface="Arial" panose="020B0604020202020204" pitchFamily="34" charset="0"/>
+                          <a:latin typeface="+mj-lt"/>
                           <a:cs typeface="Arial" panose="020B0604020202020204" pitchFamily="34" charset="0"/>
                         </a:rPr>
                         <a:t>Ppt_adjustment</a:t>
                       </a:r>
                       <a:endParaRPr lang="en-NZ" sz="1100" dirty="0">
-                        <a:latin typeface="Arial" panose="020B0604020202020204" pitchFamily="34" charset="0"/>
+                        <a:latin typeface="+mj-lt"/>
                         <a:cs typeface="Arial" panose="020B0604020202020204" pitchFamily="34" charset="0"/>
                       </a:endParaRPr>
                     </a:p>
@@ -5426,7 +5426,7 @@
                     <a:p>
                       <a:r>
                         <a:rPr lang="en-NZ" sz="1100" dirty="0">
-                          <a:latin typeface="Arial" panose="020B0604020202020204" pitchFamily="34" charset="0"/>
+                          <a:latin typeface="+mj-lt"/>
                           <a:cs typeface="Arial" panose="020B0604020202020204" pitchFamily="34" charset="0"/>
                         </a:rPr>
                         <a:t>Generate high resolution figure for manuscript</a:t>
@@ -5487,7 +5487,7 @@
                     <a:lstStyle/>
                     <a:p>
                       <a:endParaRPr lang="en-NZ" sz="1100" dirty="0">
-                        <a:latin typeface="Arial" panose="020B0604020202020204" pitchFamily="34" charset="0"/>
+                        <a:latin typeface="+mj-lt"/>
                         <a:cs typeface="Arial" panose="020B0604020202020204" pitchFamily="34" charset="0"/>
                       </a:endParaRPr>
                     </a:p>
@@ -5554,13 +5554,13 @@
                     <a:p>
                       <a:r>
                         <a:rPr lang="en-NZ" sz="1100" dirty="0" err="1">
-                          <a:latin typeface="Arial" panose="020B0604020202020204" pitchFamily="34" charset="0"/>
+                          <a:latin typeface="+mj-lt"/>
                           <a:cs typeface="Arial" panose="020B0604020202020204" pitchFamily="34" charset="0"/>
                         </a:rPr>
                         <a:t>Check_percentage_of_numberofpixel_in_each_map.ipynb</a:t>
                       </a:r>
                       <a:endParaRPr lang="en-NZ" sz="1100" dirty="0">
-                        <a:latin typeface="Arial" panose="020B0604020202020204" pitchFamily="34" charset="0"/>
+                        <a:latin typeface="+mj-lt"/>
                         <a:cs typeface="Arial" panose="020B0604020202020204" pitchFamily="34" charset="0"/>
                       </a:endParaRPr>
                     </a:p>
@@ -5620,7 +5620,7 @@
                     <a:p>
                       <a:r>
                         <a:rPr lang="en-NZ" sz="1100" dirty="0">
-                          <a:latin typeface="Arial" panose="020B0604020202020204" pitchFamily="34" charset="0"/>
+                          <a:latin typeface="+mj-lt"/>
                           <a:cs typeface="Arial" panose="020B0604020202020204" pitchFamily="34" charset="0"/>
                         </a:rPr>
                         <a:t>N/A</a:t>
@@ -5682,7 +5682,7 @@
                     <a:p>
                       <a:r>
                         <a:rPr lang="en-NZ" sz="1100" dirty="0">
-                          <a:latin typeface="Arial" panose="020B0604020202020204" pitchFamily="34" charset="0"/>
+                          <a:latin typeface="+mj-lt"/>
                           <a:cs typeface="Arial" panose="020B0604020202020204" pitchFamily="34" charset="0"/>
                         </a:rPr>
                         <a:t>Check the statistical values for manuscript</a:t>
@@ -5743,7 +5743,7 @@
                     <a:lstStyle/>
                     <a:p>
                       <a:endParaRPr lang="en-NZ" sz="1100" dirty="0">
-                        <a:latin typeface="Arial" panose="020B0604020202020204" pitchFamily="34" charset="0"/>
+                        <a:latin typeface="+mj-lt"/>
                         <a:cs typeface="Arial" panose="020B0604020202020204" pitchFamily="34" charset="0"/>
                       </a:endParaRPr>
                     </a:p>
@@ -5810,7 +5810,7 @@
                     <a:p>
                       <a:r>
                         <a:rPr lang="en-NZ" sz="1100" dirty="0">
-                          <a:latin typeface="Arial" panose="020B0604020202020204" pitchFamily="34" charset="0"/>
+                          <a:latin typeface="+mj-lt"/>
                           <a:cs typeface="Arial" panose="020B0604020202020204" pitchFamily="34" charset="0"/>
                         </a:rPr>
                         <a:t>N/A</a:t>
@@ -5872,27 +5872,27 @@
                     <a:p>
                       <a:r>
                         <a:rPr lang="en-NZ" sz="1100" dirty="0" err="1">
-                          <a:latin typeface="Arial" panose="020B0604020202020204" pitchFamily="34" charset="0"/>
+                          <a:latin typeface="+mj-lt"/>
                           <a:cs typeface="Arial" panose="020B0604020202020204" pitchFamily="34" charset="0"/>
                         </a:rPr>
                         <a:t>All_results</a:t>
                       </a:r>
                       <a:r>
                         <a:rPr lang="en-NZ" sz="1100" dirty="0">
-                          <a:latin typeface="Arial" panose="020B0604020202020204" pitchFamily="34" charset="0"/>
+                          <a:latin typeface="+mj-lt"/>
                           <a:cs typeface="Arial" panose="020B0604020202020204" pitchFamily="34" charset="0"/>
                         </a:rPr>
                         <a:t>/</a:t>
                       </a:r>
                       <a:r>
                         <a:rPr lang="en-NZ" sz="1100" dirty="0" err="1">
-                          <a:latin typeface="Arial" panose="020B0604020202020204" pitchFamily="34" charset="0"/>
+                          <a:latin typeface="+mj-lt"/>
                           <a:cs typeface="Arial" panose="020B0604020202020204" pitchFamily="34" charset="0"/>
                         </a:rPr>
                         <a:t>Boxplots_comparison</a:t>
                       </a:r>
                       <a:endParaRPr lang="en-NZ" sz="1100" dirty="0">
-                        <a:latin typeface="Arial" panose="020B0604020202020204" pitchFamily="34" charset="0"/>
+                        <a:latin typeface="+mj-lt"/>
                         <a:cs typeface="Arial" panose="020B0604020202020204" pitchFamily="34" charset="0"/>
                       </a:endParaRPr>
                     </a:p>
@@ -5952,7 +5952,7 @@
                     <a:p>
                       <a:r>
                         <a:rPr lang="en-NZ" sz="1100" dirty="0">
-                          <a:latin typeface="Arial" panose="020B0604020202020204" pitchFamily="34" charset="0"/>
+                          <a:latin typeface="+mj-lt"/>
                           <a:cs typeface="Arial" panose="020B0604020202020204" pitchFamily="34" charset="0"/>
                         </a:rPr>
                         <a:t>Generated from simulation script (Comparing file) for manuscript</a:t>
@@ -6014,7 +6014,7 @@
                     <a:p>
                       <a:r>
                         <a:rPr lang="en-NZ" sz="1100" dirty="0">
-                          <a:latin typeface="Arial" panose="020B0604020202020204" pitchFamily="34" charset="0"/>
+                          <a:latin typeface="+mj-lt"/>
                           <a:cs typeface="Arial" panose="020B0604020202020204" pitchFamily="34" charset="0"/>
                         </a:rPr>
                         <a:t>These files were stored in this folder because we would like to use simulation folder just for simulating</a:t>
@@ -6083,7 +6083,7 @@
                     <a:p>
                       <a:r>
                         <a:rPr lang="en-NZ" sz="1100" dirty="0">
-                          <a:latin typeface="Arial" panose="020B0604020202020204" pitchFamily="34" charset="0"/>
+                          <a:latin typeface="+mj-lt"/>
                           <a:cs typeface="Arial" panose="020B0604020202020204" pitchFamily="34" charset="0"/>
                         </a:rPr>
                         <a:t>N/A</a:t>
@@ -6145,27 +6145,27 @@
                     <a:p>
                       <a:r>
                         <a:rPr lang="en-NZ" sz="1100" dirty="0" err="1">
-                          <a:latin typeface="Arial" panose="020B0604020202020204" pitchFamily="34" charset="0"/>
+                          <a:latin typeface="+mj-lt"/>
                           <a:cs typeface="Arial" panose="020B0604020202020204" pitchFamily="34" charset="0"/>
                         </a:rPr>
                         <a:t>All_results</a:t>
                       </a:r>
                       <a:r>
                         <a:rPr lang="en-NZ" sz="1100" dirty="0">
-                          <a:latin typeface="Arial" panose="020B0604020202020204" pitchFamily="34" charset="0"/>
+                          <a:latin typeface="+mj-lt"/>
                           <a:cs typeface="Arial" panose="020B0604020202020204" pitchFamily="34" charset="0"/>
                         </a:rPr>
                         <a:t>/</a:t>
                       </a:r>
                       <a:r>
                         <a:rPr lang="en-NZ" sz="1100" dirty="0" err="1">
-                          <a:latin typeface="Arial" panose="020B0604020202020204" pitchFamily="34" charset="0"/>
+                          <a:latin typeface="+mj-lt"/>
                           <a:cs typeface="Arial" panose="020B0604020202020204" pitchFamily="34" charset="0"/>
                         </a:rPr>
                         <a:t>Result_representative</a:t>
                       </a:r>
                       <a:endParaRPr lang="en-NZ" sz="1100" dirty="0">
-                        <a:latin typeface="Arial" panose="020B0604020202020204" pitchFamily="34" charset="0"/>
+                        <a:latin typeface="+mj-lt"/>
                         <a:cs typeface="Arial" panose="020B0604020202020204" pitchFamily="34" charset="0"/>
                       </a:endParaRPr>
                     </a:p>
@@ -6225,7 +6225,7 @@
                     <a:p>
                       <a:r>
                         <a:rPr lang="en-NZ" sz="1100" dirty="0">
-                          <a:latin typeface="Arial" panose="020B0604020202020204" pitchFamily="34" charset="0"/>
+                          <a:latin typeface="+mj-lt"/>
                           <a:cs typeface="Arial" panose="020B0604020202020204" pitchFamily="34" charset="0"/>
                         </a:rPr>
                         <a:t>Generated from simulation script of version rotation and North-East translation for manuscript</a:t>
@@ -6286,7 +6286,7 @@
                     <a:lstStyle/>
                     <a:p>
                       <a:endParaRPr lang="en-NZ" sz="1100" dirty="0">
-                        <a:latin typeface="Arial" panose="020B0604020202020204" pitchFamily="34" charset="0"/>
+                        <a:latin typeface="+mj-lt"/>
                         <a:cs typeface="Arial" panose="020B0604020202020204" pitchFamily="34" charset="0"/>
                       </a:endParaRPr>
                     </a:p>
@@ -6353,7 +6353,7 @@
                     <a:p>
                       <a:r>
                         <a:rPr lang="en-NZ" sz="1100" dirty="0">
-                          <a:latin typeface="Arial" panose="020B0604020202020204" pitchFamily="34" charset="0"/>
+                          <a:latin typeface="+mj-lt"/>
                           <a:cs typeface="Arial" panose="020B0604020202020204" pitchFamily="34" charset="0"/>
                         </a:rPr>
                         <a:t>N/A</a:t>
@@ -6415,13 +6415,13 @@
                     <a:p>
                       <a:r>
                         <a:rPr lang="en-NZ" sz="1100" dirty="0" err="1">
-                          <a:latin typeface="Arial" panose="020B0604020202020204" pitchFamily="34" charset="0"/>
+                          <a:latin typeface="+mj-lt"/>
                           <a:cs typeface="Arial" panose="020B0604020202020204" pitchFamily="34" charset="0"/>
                         </a:rPr>
                         <a:t>Simulation_process</a:t>
                       </a:r>
                       <a:endParaRPr lang="en-NZ" sz="1100" dirty="0">
-                        <a:latin typeface="Arial" panose="020B0604020202020204" pitchFamily="34" charset="0"/>
+                        <a:latin typeface="+mj-lt"/>
                         <a:cs typeface="Arial" panose="020B0604020202020204" pitchFamily="34" charset="0"/>
                       </a:endParaRPr>
                     </a:p>
@@ -6481,7 +6481,7 @@
                     <a:p>
                       <a:r>
                         <a:rPr lang="en-NZ" sz="1100" dirty="0">
-                          <a:latin typeface="Arial" panose="020B0604020202020204" pitchFamily="34" charset="0"/>
+                          <a:latin typeface="+mj-lt"/>
                           <a:cs typeface="Arial" panose="020B0604020202020204" pitchFamily="34" charset="0"/>
                         </a:rPr>
                         <a:t>Generate workflow for simulation process</a:t>
@@ -6542,7 +6542,7 @@
                     <a:lstStyle/>
                     <a:p>
                       <a:endParaRPr lang="en-NZ" sz="1100" dirty="0">
-                        <a:latin typeface="Arial" panose="020B0604020202020204" pitchFamily="34" charset="0"/>
+                        <a:latin typeface="+mj-lt"/>
                         <a:cs typeface="Arial" panose="020B0604020202020204" pitchFamily="34" charset="0"/>
                       </a:endParaRPr>
                     </a:p>
@@ -6609,7 +6609,7 @@
                     <a:p>
                       <a:r>
                         <a:rPr lang="en-NZ" sz="1100" dirty="0">
-                          <a:latin typeface="Arial" panose="020B0604020202020204" pitchFamily="34" charset="0"/>
+                          <a:latin typeface="+mj-lt"/>
                           <a:cs typeface="Arial" panose="020B0604020202020204" pitchFamily="34" charset="0"/>
                         </a:rPr>
                         <a:t>N/A</a:t>
@@ -6671,13 +6671,13 @@
                     <a:p>
                       <a:r>
                         <a:rPr lang="en-NZ" sz="1100" dirty="0" err="1">
-                          <a:latin typeface="Arial" panose="020B0604020202020204" pitchFamily="34" charset="0"/>
+                          <a:latin typeface="+mj-lt"/>
                           <a:cs typeface="Arial" panose="020B0604020202020204" pitchFamily="34" charset="0"/>
                         </a:rPr>
                         <a:t>Nesi_instruction</a:t>
                       </a:r>
                       <a:endParaRPr lang="en-NZ" sz="1100" dirty="0">
-                        <a:latin typeface="Arial" panose="020B0604020202020204" pitchFamily="34" charset="0"/>
+                        <a:latin typeface="+mj-lt"/>
                         <a:cs typeface="Arial" panose="020B0604020202020204" pitchFamily="34" charset="0"/>
                       </a:endParaRPr>
                     </a:p>
@@ -6737,35 +6737,35 @@
                     <a:p>
                       <a:r>
                         <a:rPr lang="en-NZ" sz="1100" dirty="0">
-                          <a:latin typeface="Arial" panose="020B0604020202020204" pitchFamily="34" charset="0"/>
+                          <a:latin typeface="+mj-lt"/>
                           <a:cs typeface="Arial" panose="020B0604020202020204" pitchFamily="34" charset="0"/>
                         </a:rPr>
                         <a:t>Simple instruction about how to use </a:t>
                       </a:r>
                       <a:r>
                         <a:rPr lang="en-NZ" sz="1100" dirty="0" err="1">
-                          <a:latin typeface="Arial" panose="020B0604020202020204" pitchFamily="34" charset="0"/>
+                          <a:latin typeface="+mj-lt"/>
                           <a:cs typeface="Arial" panose="020B0604020202020204" pitchFamily="34" charset="0"/>
                         </a:rPr>
                         <a:t>Nesi</a:t>
                       </a:r>
                       <a:r>
                         <a:rPr lang="en-NZ" sz="1100" dirty="0">
-                          <a:latin typeface="Arial" panose="020B0604020202020204" pitchFamily="34" charset="0"/>
+                          <a:latin typeface="+mj-lt"/>
                           <a:cs typeface="Arial" panose="020B0604020202020204" pitchFamily="34" charset="0"/>
                         </a:rPr>
                         <a:t> and to simulate flood predictions and how to move files between </a:t>
                       </a:r>
                       <a:r>
                         <a:rPr lang="en-NZ" sz="1100" dirty="0" err="1">
-                          <a:latin typeface="Arial" panose="020B0604020202020204" pitchFamily="34" charset="0"/>
+                          <a:latin typeface="+mj-lt"/>
                           <a:cs typeface="Arial" panose="020B0604020202020204" pitchFamily="34" charset="0"/>
                         </a:rPr>
                         <a:t>Nesi</a:t>
                       </a:r>
                       <a:r>
                         <a:rPr lang="en-NZ" sz="1100" dirty="0">
-                          <a:latin typeface="Arial" panose="020B0604020202020204" pitchFamily="34" charset="0"/>
+                          <a:latin typeface="+mj-lt"/>
                           <a:cs typeface="Arial" panose="020B0604020202020204" pitchFamily="34" charset="0"/>
                         </a:rPr>
                         <a:t> and local computer</a:t>
@@ -6826,7 +6826,7 @@
                     <a:lstStyle/>
                     <a:p>
                       <a:endParaRPr lang="en-NZ" sz="1100" dirty="0">
-                        <a:latin typeface="Arial" panose="020B0604020202020204" pitchFamily="34" charset="0"/>
+                        <a:latin typeface="+mj-lt"/>
                         <a:cs typeface="Arial" panose="020B0604020202020204" pitchFamily="34" charset="0"/>
                       </a:endParaRPr>
                     </a:p>

--- a/other_files/file_structure/File_structure.pptx
+++ b/other_files/file_structure/File_structure.pptx
@@ -3362,7 +3362,7 @@
           <p:nvPr>
             <p:extLst>
               <p:ext uri="{D42A27DB-BD31-4B8C-83A1-F6EECF244321}">
-                <p14:modId xmlns:p14="http://schemas.microsoft.com/office/powerpoint/2010/main" val="637422198"/>
+                <p14:modId xmlns:p14="http://schemas.microsoft.com/office/powerpoint/2010/main" val="1422192713"/>
               </p:ext>
             </p:extLst>
           </p:nvPr>
@@ -3705,7 +3705,7 @@
                           <a:latin typeface="+mj-lt"/>
                           <a:cs typeface="Arial" panose="020B0604020202020204" pitchFamily="34" charset="0"/>
                         </a:rPr>
-                        <a:t>Checking_cvresultscomparison_001_onebyone</a:t>
+                        <a:t>Checking_cvresultscomparison_001_onebyone.ipynb</a:t>
                       </a:r>
                     </a:p>
                   </a:txBody>
@@ -3978,8 +3978,19 @@
                           <a:latin typeface="+mj-lt"/>
                           <a:cs typeface="Arial" panose="020B0604020202020204" pitchFamily="34" charset="0"/>
                         </a:rPr>
-                        <a:t>Checking_cvresultscomparison_002_usingforfunction</a:t>
+                        <a:t>Checking_cvresultscomparison_002</a:t>
                       </a:r>
+                      <a:r>
+                        <a:rPr lang="en-NZ" sz="1100">
+                          <a:latin typeface="+mj-lt"/>
+                          <a:cs typeface="Arial" panose="020B0604020202020204" pitchFamily="34" charset="0"/>
+                        </a:rPr>
+                        <a:t>_usingforfunction.ipynb</a:t>
+                      </a:r>
+                      <a:endParaRPr lang="en-NZ" sz="1100" dirty="0">
+                        <a:latin typeface="+mj-lt"/>
+                        <a:cs typeface="Arial" panose="020B0604020202020204" pitchFamily="34" charset="0"/>
+                      </a:endParaRPr>
                     </a:p>
                   </a:txBody>
                   <a:tcPr anchor="ctr">

--- a/other_files/file_structure/File_structure.pptx
+++ b/other_files/file_structure/File_structure.pptx
@@ -3362,14 +3362,14 @@
           <p:nvPr>
             <p:extLst>
               <p:ext uri="{D42A27DB-BD31-4B8C-83A1-F6EECF244321}">
-                <p14:modId xmlns:p14="http://schemas.microsoft.com/office/powerpoint/2010/main" val="1422192713"/>
+                <p14:modId xmlns:p14="http://schemas.microsoft.com/office/powerpoint/2010/main" val="1703573746"/>
               </p:ext>
             </p:extLst>
           </p:nvPr>
         </p:nvGraphicFramePr>
         <p:xfrm>
           <a:off x="64994" y="619060"/>
-          <a:ext cx="12062012" cy="5619879"/>
+          <a:ext cx="12062012" cy="5618458"/>
         </p:xfrm>
         <a:graphic>
           <a:graphicData uri="http://schemas.openxmlformats.org/drawingml/2006/table">
@@ -3757,7 +3757,7 @@
                     <a:noFill/>
                   </a:tcPr>
                 </a:tc>
-                <a:tc>
+                <a:tc rowSpan="2">
                   <a:txBody>
                     <a:bodyPr/>
                     <a:lstStyle/>
@@ -3899,7 +3899,7 @@
                     <a:noFill/>
                   </a:tcPr>
                 </a:tc>
-                <a:tc>
+                <a:tc rowSpan="2">
                   <a:txBody>
                     <a:bodyPr/>
                     <a:lstStyle/>
@@ -4041,7 +4041,7 @@
                     <a:noFill/>
                   </a:tcPr>
                 </a:tc>
-                <a:tc>
+                <a:tc vMerge="1">
                   <a:txBody>
                     <a:bodyPr/>
                     <a:lstStyle/>
@@ -4162,7 +4162,7 @@
                     <a:noFill/>
                   </a:tcPr>
                 </a:tc>
-                <a:tc>
+                <a:tc vMerge="1">
                   <a:txBody>
                     <a:bodyPr/>
                     <a:lstStyle/>
@@ -4976,15 +4976,19 @@
                     <a:noFill/>
                   </a:tcPr>
                 </a:tc>
-                <a:tc>
+                <a:tc rowSpan="4">
                   <a:txBody>
                     <a:bodyPr/>
                     <a:lstStyle/>
                     <a:p>
-                      <a:endParaRPr lang="en-NZ" sz="1100" dirty="0">
-                        <a:latin typeface="+mj-lt"/>
-                        <a:cs typeface="Arial" panose="020B0604020202020204" pitchFamily="34" charset="0"/>
-                      </a:endParaRPr>
+                      <a:pPr algn="ctr"/>
+                      <a:r>
+                        <a:rPr lang="en-NZ" sz="1100" dirty="0">
+                          <a:latin typeface="+mj-lt"/>
+                          <a:cs typeface="Arial" panose="020B0604020202020204" pitchFamily="34" charset="0"/>
+                        </a:rPr>
+                        <a:t>N/A</a:t>
+                      </a:r>
                     </a:p>
                   </a:txBody>
                   <a:tcPr anchor="ctr">
@@ -5232,7 +5236,7 @@
                     <a:noFill/>
                   </a:tcPr>
                 </a:tc>
-                <a:tc>
+                <a:tc vMerge="1">
                   <a:txBody>
                     <a:bodyPr/>
                     <a:lstStyle/>
@@ -5492,7 +5496,7 @@
                     <a:noFill/>
                   </a:tcPr>
                 </a:tc>
-                <a:tc>
+                <a:tc vMerge="1">
                   <a:txBody>
                     <a:bodyPr/>
                     <a:lstStyle/>
@@ -5629,6 +5633,7 @@
                     <a:bodyPr/>
                     <a:lstStyle/>
                     <a:p>
+                      <a:pPr algn="ctr"/>
                       <a:r>
                         <a:rPr lang="en-NZ" sz="1100" dirty="0">
                           <a:latin typeface="+mj-lt"/>
@@ -5748,7 +5753,7 @@
                     <a:noFill/>
                   </a:tcPr>
                 </a:tc>
-                <a:tc>
+                <a:tc vMerge="1">
                   <a:txBody>
                     <a:bodyPr/>
                     <a:lstStyle/>
@@ -5814,11 +5819,12 @@
                 </a:extLst>
               </a:tr>
               <a:tr h="592939">
-                <a:tc>
+                <a:tc rowSpan="4">
                   <a:txBody>
                     <a:bodyPr/>
                     <a:lstStyle/>
                     <a:p>
+                      <a:pPr algn="ctr"/>
                       <a:r>
                         <a:rPr lang="en-NZ" sz="1100" dirty="0">
                           <a:latin typeface="+mj-lt"/>
@@ -6087,18 +6093,15 @@
                 </a:extLst>
               </a:tr>
               <a:tr h="425700">
-                <a:tc>
+                <a:tc vMerge="1">
                   <a:txBody>
                     <a:bodyPr/>
                     <a:lstStyle/>
                     <a:p>
-                      <a:r>
-                        <a:rPr lang="en-NZ" sz="1100" dirty="0">
-                          <a:latin typeface="+mj-lt"/>
-                          <a:cs typeface="Arial" panose="020B0604020202020204" pitchFamily="34" charset="0"/>
-                        </a:rPr>
-                        <a:t>N/A</a:t>
-                      </a:r>
+                      <a:endParaRPr lang="en-NZ" sz="1100" dirty="0">
+                        <a:latin typeface="+mj-lt"/>
+                        <a:cs typeface="Arial" panose="020B0604020202020204" pitchFamily="34" charset="0"/>
+                      </a:endParaRPr>
                     </a:p>
                   </a:txBody>
                   <a:tcPr anchor="ctr">
@@ -6291,15 +6294,19 @@
                     <a:noFill/>
                   </a:tcPr>
                 </a:tc>
-                <a:tc>
+                <a:tc rowSpan="3">
                   <a:txBody>
                     <a:bodyPr/>
                     <a:lstStyle/>
                     <a:p>
-                      <a:endParaRPr lang="en-NZ" sz="1100" dirty="0">
-                        <a:latin typeface="+mj-lt"/>
-                        <a:cs typeface="Arial" panose="020B0604020202020204" pitchFamily="34" charset="0"/>
-                      </a:endParaRPr>
+                      <a:pPr algn="ctr"/>
+                      <a:r>
+                        <a:rPr lang="en-NZ" sz="1100" dirty="0">
+                          <a:latin typeface="+mj-lt"/>
+                          <a:cs typeface="Arial" panose="020B0604020202020204" pitchFamily="34" charset="0"/>
+                        </a:rPr>
+                        <a:t>N/A</a:t>
+                      </a:r>
                     </a:p>
                   </a:txBody>
                   <a:tcPr anchor="ctr">
@@ -6357,18 +6364,15 @@
                 </a:extLst>
               </a:tr>
               <a:tr h="260249">
-                <a:tc>
+                <a:tc vMerge="1">
                   <a:txBody>
                     <a:bodyPr/>
                     <a:lstStyle/>
                     <a:p>
-                      <a:r>
-                        <a:rPr lang="en-NZ" sz="1100" dirty="0">
-                          <a:latin typeface="+mj-lt"/>
-                          <a:cs typeface="Arial" panose="020B0604020202020204" pitchFamily="34" charset="0"/>
-                        </a:rPr>
-                        <a:t>N/A</a:t>
-                      </a:r>
+                      <a:endParaRPr lang="en-NZ" sz="1100" dirty="0">
+                        <a:latin typeface="+mj-lt"/>
+                        <a:cs typeface="Arial" panose="020B0604020202020204" pitchFamily="34" charset="0"/>
+                      </a:endParaRPr>
                     </a:p>
                   </a:txBody>
                   <a:tcPr anchor="ctr">
@@ -6547,7 +6551,7 @@
                     <a:noFill/>
                   </a:tcPr>
                 </a:tc>
-                <a:tc>
+                <a:tc vMerge="1">
                   <a:txBody>
                     <a:bodyPr/>
                     <a:lstStyle/>
@@ -6613,18 +6617,15 @@
                 </a:extLst>
               </a:tr>
               <a:tr h="592939">
-                <a:tc>
+                <a:tc vMerge="1">
                   <a:txBody>
                     <a:bodyPr/>
                     <a:lstStyle/>
                     <a:p>
-                      <a:r>
-                        <a:rPr lang="en-NZ" sz="1100" dirty="0">
-                          <a:latin typeface="+mj-lt"/>
-                          <a:cs typeface="Arial" panose="020B0604020202020204" pitchFamily="34" charset="0"/>
-                        </a:rPr>
-                        <a:t>N/A</a:t>
-                      </a:r>
+                      <a:endParaRPr lang="en-NZ" sz="1100" dirty="0">
+                        <a:latin typeface="+mj-lt"/>
+                        <a:cs typeface="Arial" panose="020B0604020202020204" pitchFamily="34" charset="0"/>
+                      </a:endParaRPr>
                     </a:p>
                   </a:txBody>
                   <a:tcPr anchor="ctr">
@@ -6831,7 +6832,7 @@
                     <a:noFill/>
                   </a:tcPr>
                 </a:tc>
-                <a:tc>
+                <a:tc vMerge="1">
                   <a:txBody>
                     <a:bodyPr/>
                     <a:lstStyle/>

--- a/other_files/file_structure/File_structure.pptx
+++ b/other_files/file_structure/File_structure.pptx
@@ -261,7 +261,7 @@
           <a:p>
             <a:fld id="{A0EA9B17-AB33-4531-AF24-5AECF5EFBC8D}" type="datetimeFigureOut">
               <a:rPr lang="en-NZ" smtClean="0"/>
-              <a:t>23/05/2024</a:t>
+              <a:t>11/09/2024</a:t>
             </a:fld>
             <a:endParaRPr lang="en-NZ"/>
           </a:p>
@@ -461,7 +461,7 @@
           <a:p>
             <a:fld id="{A0EA9B17-AB33-4531-AF24-5AECF5EFBC8D}" type="datetimeFigureOut">
               <a:rPr lang="en-NZ" smtClean="0"/>
-              <a:t>23/05/2024</a:t>
+              <a:t>11/09/2024</a:t>
             </a:fld>
             <a:endParaRPr lang="en-NZ"/>
           </a:p>
@@ -671,7 +671,7 @@
           <a:p>
             <a:fld id="{A0EA9B17-AB33-4531-AF24-5AECF5EFBC8D}" type="datetimeFigureOut">
               <a:rPr lang="en-NZ" smtClean="0"/>
-              <a:t>23/05/2024</a:t>
+              <a:t>11/09/2024</a:t>
             </a:fld>
             <a:endParaRPr lang="en-NZ"/>
           </a:p>
@@ -871,7 +871,7 @@
           <a:p>
             <a:fld id="{A0EA9B17-AB33-4531-AF24-5AECF5EFBC8D}" type="datetimeFigureOut">
               <a:rPr lang="en-NZ" smtClean="0"/>
-              <a:t>23/05/2024</a:t>
+              <a:t>11/09/2024</a:t>
             </a:fld>
             <a:endParaRPr lang="en-NZ"/>
           </a:p>
@@ -1147,7 +1147,7 @@
           <a:p>
             <a:fld id="{A0EA9B17-AB33-4531-AF24-5AECF5EFBC8D}" type="datetimeFigureOut">
               <a:rPr lang="en-NZ" smtClean="0"/>
-              <a:t>23/05/2024</a:t>
+              <a:t>11/09/2024</a:t>
             </a:fld>
             <a:endParaRPr lang="en-NZ"/>
           </a:p>
@@ -1415,7 +1415,7 @@
           <a:p>
             <a:fld id="{A0EA9B17-AB33-4531-AF24-5AECF5EFBC8D}" type="datetimeFigureOut">
               <a:rPr lang="en-NZ" smtClean="0"/>
-              <a:t>23/05/2024</a:t>
+              <a:t>11/09/2024</a:t>
             </a:fld>
             <a:endParaRPr lang="en-NZ"/>
           </a:p>
@@ -1830,7 +1830,7 @@
           <a:p>
             <a:fld id="{A0EA9B17-AB33-4531-AF24-5AECF5EFBC8D}" type="datetimeFigureOut">
               <a:rPr lang="en-NZ" smtClean="0"/>
-              <a:t>23/05/2024</a:t>
+              <a:t>11/09/2024</a:t>
             </a:fld>
             <a:endParaRPr lang="en-NZ"/>
           </a:p>
@@ -1972,7 +1972,7 @@
           <a:p>
             <a:fld id="{A0EA9B17-AB33-4531-AF24-5AECF5EFBC8D}" type="datetimeFigureOut">
               <a:rPr lang="en-NZ" smtClean="0"/>
-              <a:t>23/05/2024</a:t>
+              <a:t>11/09/2024</a:t>
             </a:fld>
             <a:endParaRPr lang="en-NZ"/>
           </a:p>
@@ -2085,7 +2085,7 @@
           <a:p>
             <a:fld id="{A0EA9B17-AB33-4531-AF24-5AECF5EFBC8D}" type="datetimeFigureOut">
               <a:rPr lang="en-NZ" smtClean="0"/>
-              <a:t>23/05/2024</a:t>
+              <a:t>11/09/2024</a:t>
             </a:fld>
             <a:endParaRPr lang="en-NZ"/>
           </a:p>
@@ -2398,7 +2398,7 @@
           <a:p>
             <a:fld id="{A0EA9B17-AB33-4531-AF24-5AECF5EFBC8D}" type="datetimeFigureOut">
               <a:rPr lang="en-NZ" smtClean="0"/>
-              <a:t>23/05/2024</a:t>
+              <a:t>11/09/2024</a:t>
             </a:fld>
             <a:endParaRPr lang="en-NZ"/>
           </a:p>
@@ -2687,7 +2687,7 @@
           <a:p>
             <a:fld id="{A0EA9B17-AB33-4531-AF24-5AECF5EFBC8D}" type="datetimeFigureOut">
               <a:rPr lang="en-NZ" smtClean="0"/>
-              <a:t>23/05/2024</a:t>
+              <a:t>11/09/2024</a:t>
             </a:fld>
             <a:endParaRPr lang="en-NZ"/>
           </a:p>
@@ -2930,7 +2930,7 @@
           <a:p>
             <a:fld id="{A0EA9B17-AB33-4531-AF24-5AECF5EFBC8D}" type="datetimeFigureOut">
               <a:rPr lang="en-NZ" smtClean="0"/>
-              <a:t>23/05/2024</a:t>
+              <a:t>11/09/2024</a:t>
             </a:fld>
             <a:endParaRPr lang="en-NZ"/>
           </a:p>
@@ -3362,14 +3362,14 @@
           <p:nvPr>
             <p:extLst>
               <p:ext uri="{D42A27DB-BD31-4B8C-83A1-F6EECF244321}">
-                <p14:modId xmlns:p14="http://schemas.microsoft.com/office/powerpoint/2010/main" val="1703573746"/>
+                <p14:modId xmlns:p14="http://schemas.microsoft.com/office/powerpoint/2010/main" val="3593524470"/>
               </p:ext>
             </p:extLst>
           </p:nvPr>
         </p:nvGraphicFramePr>
         <p:xfrm>
-          <a:off x="64994" y="619060"/>
-          <a:ext cx="12062012" cy="5618458"/>
+          <a:off x="64994" y="1187583"/>
+          <a:ext cx="12062012" cy="4209367"/>
         </p:xfrm>
         <a:graphic>
           <a:graphicData uri="http://schemas.openxmlformats.org/drawingml/2006/table">
@@ -3378,14 +3378,14 @@
                 <a:tableStyleId>{5C22544A-7EE6-4342-B048-85BDC9FD1C3A}</a:tableStyleId>
               </a:tblPr>
               <a:tblGrid>
-                <a:gridCol w="3681380">
+                <a:gridCol w="3926561">
                   <a:extLst>
                     <a:ext uri="{9D8B030D-6E8A-4147-A177-3AD203B41FA5}">
                       <a16:colId xmlns:a16="http://schemas.microsoft.com/office/drawing/2014/main" val="3192939268"/>
                     </a:ext>
                   </a:extLst>
                 </a:gridCol>
-                <a:gridCol w="2372046">
+                <a:gridCol w="2126865">
                   <a:extLst>
                     <a:ext uri="{9D8B030D-6E8A-4147-A177-3AD203B41FA5}">
                       <a16:colId xmlns:a16="http://schemas.microsoft.com/office/drawing/2014/main" val="887964909"/>
@@ -3422,7 +3422,7 @@
                           <a:latin typeface="+mj-lt"/>
                           <a:cs typeface="Arial" panose="020B0604020202020204" pitchFamily="34" charset="0"/>
                         </a:rPr>
-                        <a:t>Data file</a:t>
+                        <a:t>Scripts file</a:t>
                       </a:r>
                     </a:p>
                   </a:txBody>
@@ -3492,7 +3492,7 @@
                           <a:latin typeface="+mj-lt"/>
                           <a:cs typeface="Arial" panose="020B0604020202020204" pitchFamily="34" charset="0"/>
                         </a:rPr>
-                        <a:t>Scripts file</a:t>
+                        <a:t>Data file</a:t>
                       </a:r>
                     </a:p>
                   </a:txBody>
@@ -3691,539 +3691,6 @@
                 <a:extLst>
                   <a:ext uri="{0D108BD9-81ED-4DB2-BD59-A6C34878D82A}">
                     <a16:rowId xmlns:a16="http://schemas.microsoft.com/office/drawing/2014/main" val="3787345673"/>
-                  </a:ext>
-                </a:extLst>
-              </a:tr>
-              <a:tr h="592939">
-                <a:tc>
-                  <a:txBody>
-                    <a:bodyPr/>
-                    <a:lstStyle/>
-                    <a:p>
-                      <a:r>
-                        <a:rPr lang="en-NZ" sz="1100" dirty="0">
-                          <a:latin typeface="+mj-lt"/>
-                          <a:cs typeface="Arial" panose="020B0604020202020204" pitchFamily="34" charset="0"/>
-                        </a:rPr>
-                        <a:t>Checking_cvresultscomparison_001_onebyone.ipynb</a:t>
-                      </a:r>
-                    </a:p>
-                  </a:txBody>
-                  <a:tcPr anchor="ctr">
-                    <a:lnL w="12700" cap="flat" cmpd="sng" algn="ctr">
-                      <a:solidFill>
-                        <a:schemeClr val="tx1"/>
-                      </a:solidFill>
-                      <a:prstDash val="solid"/>
-                      <a:round/>
-                      <a:headEnd type="none" w="med" len="med"/>
-                      <a:tailEnd type="none" w="med" len="med"/>
-                    </a:lnL>
-                    <a:lnR w="12700" cap="flat" cmpd="sng" algn="ctr">
-                      <a:solidFill>
-                        <a:schemeClr val="tx1"/>
-                      </a:solidFill>
-                      <a:prstDash val="solid"/>
-                      <a:round/>
-                      <a:headEnd type="none" w="med" len="med"/>
-                      <a:tailEnd type="none" w="med" len="med"/>
-                    </a:lnR>
-                    <a:lnT w="12700" cap="flat" cmpd="sng" algn="ctr">
-                      <a:solidFill>
-                        <a:schemeClr val="tx1"/>
-                      </a:solidFill>
-                      <a:prstDash val="solid"/>
-                      <a:round/>
-                      <a:headEnd type="none" w="med" len="med"/>
-                      <a:tailEnd type="none" w="med" len="med"/>
-                    </a:lnT>
-                    <a:lnB w="12700" cap="flat" cmpd="sng" algn="ctr">
-                      <a:solidFill>
-                        <a:schemeClr val="tx1"/>
-                      </a:solidFill>
-                      <a:prstDash val="solid"/>
-                      <a:round/>
-                      <a:headEnd type="none" w="med" len="med"/>
-                      <a:tailEnd type="none" w="med" len="med"/>
-                    </a:lnB>
-                    <a:lnTlToBr w="12700" cmpd="sng">
-                      <a:noFill/>
-                      <a:prstDash val="solid"/>
-                    </a:lnTlToBr>
-                    <a:lnBlToTr w="12700" cmpd="sng">
-                      <a:noFill/>
-                      <a:prstDash val="solid"/>
-                    </a:lnBlToTr>
-                    <a:noFill/>
-                  </a:tcPr>
-                </a:tc>
-                <a:tc rowSpan="2">
-                  <a:txBody>
-                    <a:bodyPr/>
-                    <a:lstStyle/>
-                    <a:p>
-                      <a:r>
-                        <a:rPr lang="en-NZ" sz="1100" dirty="0" err="1">
-                          <a:latin typeface="+mj-lt"/>
-                          <a:cs typeface="Arial" panose="020B0604020202020204" pitchFamily="34" charset="0"/>
-                        </a:rPr>
-                        <a:t>All_results</a:t>
-                      </a:r>
-                      <a:r>
-                        <a:rPr lang="en-NZ" sz="1100" dirty="0">
-                          <a:latin typeface="+mj-lt"/>
-                          <a:cs typeface="Arial" panose="020B0604020202020204" pitchFamily="34" charset="0"/>
-                        </a:rPr>
-                        <a:t>/</a:t>
-                      </a:r>
-                      <a:r>
-                        <a:rPr lang="en-NZ" sz="1100" dirty="0" err="1">
-                          <a:latin typeface="+mj-lt"/>
-                          <a:cs typeface="Arial" panose="020B0604020202020204" pitchFamily="34" charset="0"/>
-                        </a:rPr>
-                        <a:t>Cv_results_comparison</a:t>
-                      </a:r>
-                      <a:endParaRPr lang="en-NZ" sz="1100" dirty="0">
-                        <a:latin typeface="+mj-lt"/>
-                        <a:cs typeface="Arial" panose="020B0604020202020204" pitchFamily="34" charset="0"/>
-                      </a:endParaRPr>
-                    </a:p>
-                  </a:txBody>
-                  <a:tcPr anchor="ctr">
-                    <a:lnL w="12700" cap="flat" cmpd="sng" algn="ctr">
-                      <a:solidFill>
-                        <a:schemeClr val="tx1"/>
-                      </a:solidFill>
-                      <a:prstDash val="solid"/>
-                      <a:round/>
-                      <a:headEnd type="none" w="med" len="med"/>
-                      <a:tailEnd type="none" w="med" len="med"/>
-                    </a:lnL>
-                    <a:lnR w="12700" cap="flat" cmpd="sng" algn="ctr">
-                      <a:solidFill>
-                        <a:schemeClr val="tx1"/>
-                      </a:solidFill>
-                      <a:prstDash val="solid"/>
-                      <a:round/>
-                      <a:headEnd type="none" w="med" len="med"/>
-                      <a:tailEnd type="none" w="med" len="med"/>
-                    </a:lnR>
-                    <a:lnT w="12700" cap="flat" cmpd="sng" algn="ctr">
-                      <a:solidFill>
-                        <a:schemeClr val="tx1"/>
-                      </a:solidFill>
-                      <a:prstDash val="solid"/>
-                      <a:round/>
-                      <a:headEnd type="none" w="med" len="med"/>
-                      <a:tailEnd type="none" w="med" len="med"/>
-                    </a:lnT>
-                    <a:lnB w="12700" cap="flat" cmpd="sng" algn="ctr">
-                      <a:solidFill>
-                        <a:schemeClr val="tx1"/>
-                      </a:solidFill>
-                      <a:prstDash val="solid"/>
-                      <a:round/>
-                      <a:headEnd type="none" w="med" len="med"/>
-                      <a:tailEnd type="none" w="med" len="med"/>
-                    </a:lnB>
-                    <a:lnTlToBr w="12700" cmpd="sng">
-                      <a:noFill/>
-                      <a:prstDash val="solid"/>
-                    </a:lnTlToBr>
-                    <a:lnBlToTr w="12700" cmpd="sng">
-                      <a:noFill/>
-                      <a:prstDash val="solid"/>
-                    </a:lnBlToTr>
-                    <a:noFill/>
-                  </a:tcPr>
-                </a:tc>
-                <a:tc>
-                  <a:txBody>
-                    <a:bodyPr/>
-                    <a:lstStyle/>
-                    <a:p>
-                      <a:r>
-                        <a:rPr lang="en-NZ" sz="1100" dirty="0">
-                          <a:latin typeface="+mj-lt"/>
-                          <a:cs typeface="Arial" panose="020B0604020202020204" pitchFamily="34" charset="0"/>
-                        </a:rPr>
-                        <a:t>Generate CV for rotation and a combination of rotation and North-East translation</a:t>
-                      </a:r>
-                    </a:p>
-                  </a:txBody>
-                  <a:tcPr anchor="ctr">
-                    <a:lnL w="12700" cap="flat" cmpd="sng" algn="ctr">
-                      <a:solidFill>
-                        <a:schemeClr val="tx1"/>
-                      </a:solidFill>
-                      <a:prstDash val="solid"/>
-                      <a:round/>
-                      <a:headEnd type="none" w="med" len="med"/>
-                      <a:tailEnd type="none" w="med" len="med"/>
-                    </a:lnL>
-                    <a:lnR w="12700" cap="flat" cmpd="sng" algn="ctr">
-                      <a:solidFill>
-                        <a:schemeClr val="tx1"/>
-                      </a:solidFill>
-                      <a:prstDash val="solid"/>
-                      <a:round/>
-                      <a:headEnd type="none" w="med" len="med"/>
-                      <a:tailEnd type="none" w="med" len="med"/>
-                    </a:lnR>
-                    <a:lnT w="12700" cap="flat" cmpd="sng" algn="ctr">
-                      <a:solidFill>
-                        <a:schemeClr val="tx1"/>
-                      </a:solidFill>
-                      <a:prstDash val="solid"/>
-                      <a:round/>
-                      <a:headEnd type="none" w="med" len="med"/>
-                      <a:tailEnd type="none" w="med" len="med"/>
-                    </a:lnT>
-                    <a:lnB w="12700" cap="flat" cmpd="sng" algn="ctr">
-                      <a:solidFill>
-                        <a:schemeClr val="tx1"/>
-                      </a:solidFill>
-                      <a:prstDash val="solid"/>
-                      <a:round/>
-                      <a:headEnd type="none" w="med" len="med"/>
-                      <a:tailEnd type="none" w="med" len="med"/>
-                    </a:lnB>
-                    <a:lnTlToBr w="12700" cmpd="sng">
-                      <a:noFill/>
-                      <a:prstDash val="solid"/>
-                    </a:lnTlToBr>
-                    <a:lnBlToTr w="12700" cmpd="sng">
-                      <a:noFill/>
-                      <a:prstDash val="solid"/>
-                    </a:lnBlToTr>
-                    <a:noFill/>
-                  </a:tcPr>
-                </a:tc>
-                <a:tc rowSpan="2">
-                  <a:txBody>
-                    <a:bodyPr/>
-                    <a:lstStyle/>
-                    <a:p>
-                      <a:r>
-                        <a:rPr lang="en-NZ" sz="1100" dirty="0">
-                          <a:latin typeface="+mj-lt"/>
-                          <a:cs typeface="Arial" panose="020B0604020202020204" pitchFamily="34" charset="0"/>
-                        </a:rPr>
-                        <a:t>These files could obviously be generate by the simulation scripts but takes time and not flexible like here</a:t>
-                      </a:r>
-                    </a:p>
-                  </a:txBody>
-                  <a:tcPr anchor="ctr">
-                    <a:lnL w="12700" cap="flat" cmpd="sng" algn="ctr">
-                      <a:solidFill>
-                        <a:schemeClr val="tx1"/>
-                      </a:solidFill>
-                      <a:prstDash val="solid"/>
-                      <a:round/>
-                      <a:headEnd type="none" w="med" len="med"/>
-                      <a:tailEnd type="none" w="med" len="med"/>
-                    </a:lnL>
-                    <a:lnR w="12700" cap="flat" cmpd="sng" algn="ctr">
-                      <a:solidFill>
-                        <a:schemeClr val="tx1"/>
-                      </a:solidFill>
-                      <a:prstDash val="solid"/>
-                      <a:round/>
-                      <a:headEnd type="none" w="med" len="med"/>
-                      <a:tailEnd type="none" w="med" len="med"/>
-                    </a:lnR>
-                    <a:lnT w="12700" cap="flat" cmpd="sng" algn="ctr">
-                      <a:solidFill>
-                        <a:schemeClr val="tx1"/>
-                      </a:solidFill>
-                      <a:prstDash val="solid"/>
-                      <a:round/>
-                      <a:headEnd type="none" w="med" len="med"/>
-                      <a:tailEnd type="none" w="med" len="med"/>
-                    </a:lnT>
-                    <a:lnB w="12700" cap="flat" cmpd="sng" algn="ctr">
-                      <a:solidFill>
-                        <a:schemeClr val="tx1"/>
-                      </a:solidFill>
-                      <a:prstDash val="solid"/>
-                      <a:round/>
-                      <a:headEnd type="none" w="med" len="med"/>
-                      <a:tailEnd type="none" w="med" len="med"/>
-                    </a:lnB>
-                    <a:lnTlToBr w="12700" cmpd="sng">
-                      <a:noFill/>
-                      <a:prstDash val="solid"/>
-                    </a:lnTlToBr>
-                    <a:lnBlToTr w="12700" cmpd="sng">
-                      <a:noFill/>
-                      <a:prstDash val="solid"/>
-                    </a:lnBlToTr>
-                    <a:noFill/>
-                  </a:tcPr>
-                </a:tc>
-                <a:extLst>
-                  <a:ext uri="{0D108BD9-81ED-4DB2-BD59-A6C34878D82A}">
-                    <a16:rowId xmlns:a16="http://schemas.microsoft.com/office/drawing/2014/main" val="2980740934"/>
-                  </a:ext>
-                </a:extLst>
-              </a:tr>
-              <a:tr h="335372">
-                <a:tc>
-                  <a:txBody>
-                    <a:bodyPr/>
-                    <a:lstStyle/>
-                    <a:p>
-                      <a:r>
-                        <a:rPr lang="en-NZ" sz="1100" dirty="0">
-                          <a:latin typeface="+mj-lt"/>
-                          <a:cs typeface="Arial" panose="020B0604020202020204" pitchFamily="34" charset="0"/>
-                        </a:rPr>
-                        <a:t>Checking_cvresultscomparison_002</a:t>
-                      </a:r>
-                      <a:r>
-                        <a:rPr lang="en-NZ" sz="1100">
-                          <a:latin typeface="+mj-lt"/>
-                          <a:cs typeface="Arial" panose="020B0604020202020204" pitchFamily="34" charset="0"/>
-                        </a:rPr>
-                        <a:t>_usingforfunction.ipynb</a:t>
-                      </a:r>
-                      <a:endParaRPr lang="en-NZ" sz="1100" dirty="0">
-                        <a:latin typeface="+mj-lt"/>
-                        <a:cs typeface="Arial" panose="020B0604020202020204" pitchFamily="34" charset="0"/>
-                      </a:endParaRPr>
-                    </a:p>
-                  </a:txBody>
-                  <a:tcPr anchor="ctr">
-                    <a:lnL w="12700" cap="flat" cmpd="sng" algn="ctr">
-                      <a:solidFill>
-                        <a:schemeClr val="tx1"/>
-                      </a:solidFill>
-                      <a:prstDash val="solid"/>
-                      <a:round/>
-                      <a:headEnd type="none" w="med" len="med"/>
-                      <a:tailEnd type="none" w="med" len="med"/>
-                    </a:lnL>
-                    <a:lnR w="12700" cap="flat" cmpd="sng" algn="ctr">
-                      <a:solidFill>
-                        <a:schemeClr val="tx1"/>
-                      </a:solidFill>
-                      <a:prstDash val="solid"/>
-                      <a:round/>
-                      <a:headEnd type="none" w="med" len="med"/>
-                      <a:tailEnd type="none" w="med" len="med"/>
-                    </a:lnR>
-                    <a:lnT w="12700" cap="flat" cmpd="sng" algn="ctr">
-                      <a:solidFill>
-                        <a:schemeClr val="tx1"/>
-                      </a:solidFill>
-                      <a:prstDash val="solid"/>
-                      <a:round/>
-                      <a:headEnd type="none" w="med" len="med"/>
-                      <a:tailEnd type="none" w="med" len="med"/>
-                    </a:lnT>
-                    <a:lnB w="12700" cap="flat" cmpd="sng" algn="ctr">
-                      <a:solidFill>
-                        <a:schemeClr val="tx1"/>
-                      </a:solidFill>
-                      <a:prstDash val="solid"/>
-                      <a:round/>
-                      <a:headEnd type="none" w="med" len="med"/>
-                      <a:tailEnd type="none" w="med" len="med"/>
-                    </a:lnB>
-                    <a:lnTlToBr w="12700" cmpd="sng">
-                      <a:noFill/>
-                      <a:prstDash val="solid"/>
-                    </a:lnTlToBr>
-                    <a:lnBlToTr w="12700" cmpd="sng">
-                      <a:noFill/>
-                      <a:prstDash val="solid"/>
-                    </a:lnBlToTr>
-                    <a:noFill/>
-                  </a:tcPr>
-                </a:tc>
-                <a:tc vMerge="1">
-                  <a:txBody>
-                    <a:bodyPr/>
-                    <a:lstStyle/>
-                    <a:p>
-                      <a:endParaRPr lang="en-NZ" sz="1100" dirty="0">
-                        <a:latin typeface="+mj-lt"/>
-                        <a:cs typeface="Arial" panose="020B0604020202020204" pitchFamily="34" charset="0"/>
-                      </a:endParaRPr>
-                    </a:p>
-                  </a:txBody>
-                  <a:tcPr anchor="ctr">
-                    <a:lnL w="12700" cap="flat" cmpd="sng" algn="ctr">
-                      <a:solidFill>
-                        <a:schemeClr val="tx1"/>
-                      </a:solidFill>
-                      <a:prstDash val="solid"/>
-                      <a:round/>
-                      <a:headEnd type="none" w="med" len="med"/>
-                      <a:tailEnd type="none" w="med" len="med"/>
-                    </a:lnL>
-                    <a:lnR w="12700" cap="flat" cmpd="sng" algn="ctr">
-                      <a:solidFill>
-                        <a:schemeClr val="tx1"/>
-                      </a:solidFill>
-                      <a:prstDash val="solid"/>
-                      <a:round/>
-                      <a:headEnd type="none" w="med" len="med"/>
-                      <a:tailEnd type="none" w="med" len="med"/>
-                    </a:lnR>
-                    <a:lnT w="12700" cap="flat" cmpd="sng" algn="ctr">
-                      <a:solidFill>
-                        <a:schemeClr val="tx1"/>
-                      </a:solidFill>
-                      <a:prstDash val="solid"/>
-                      <a:round/>
-                      <a:headEnd type="none" w="med" len="med"/>
-                      <a:tailEnd type="none" w="med" len="med"/>
-                    </a:lnT>
-                    <a:lnB w="12700" cap="flat" cmpd="sng" algn="ctr">
-                      <a:solidFill>
-                        <a:schemeClr val="tx1"/>
-                      </a:solidFill>
-                      <a:prstDash val="solid"/>
-                      <a:round/>
-                      <a:headEnd type="none" w="med" len="med"/>
-                      <a:tailEnd type="none" w="med" len="med"/>
-                    </a:lnB>
-                    <a:lnTlToBr w="12700" cmpd="sng">
-                      <a:noFill/>
-                      <a:prstDash val="solid"/>
-                    </a:lnTlToBr>
-                    <a:lnBlToTr w="12700" cmpd="sng">
-                      <a:noFill/>
-                      <a:prstDash val="solid"/>
-                    </a:lnBlToTr>
-                    <a:noFill/>
-                  </a:tcPr>
-                </a:tc>
-                <a:tc>
-                  <a:txBody>
-                    <a:bodyPr/>
-                    <a:lstStyle/>
-                    <a:p>
-                      <a:r>
-                        <a:rPr lang="en-NZ" sz="1100" dirty="0">
-                          <a:latin typeface="+mj-lt"/>
-                          <a:cs typeface="Arial" panose="020B0604020202020204" pitchFamily="34" charset="0"/>
-                        </a:rPr>
-                        <a:t>Generate other CVs</a:t>
-                      </a:r>
-                    </a:p>
-                  </a:txBody>
-                  <a:tcPr anchor="ctr">
-                    <a:lnL w="12700" cap="flat" cmpd="sng" algn="ctr">
-                      <a:solidFill>
-                        <a:schemeClr val="tx1"/>
-                      </a:solidFill>
-                      <a:prstDash val="solid"/>
-                      <a:round/>
-                      <a:headEnd type="none" w="med" len="med"/>
-                      <a:tailEnd type="none" w="med" len="med"/>
-                    </a:lnL>
-                    <a:lnR w="12700" cap="flat" cmpd="sng" algn="ctr">
-                      <a:solidFill>
-                        <a:schemeClr val="tx1"/>
-                      </a:solidFill>
-                      <a:prstDash val="solid"/>
-                      <a:round/>
-                      <a:headEnd type="none" w="med" len="med"/>
-                      <a:tailEnd type="none" w="med" len="med"/>
-                    </a:lnR>
-                    <a:lnT w="12700" cap="flat" cmpd="sng" algn="ctr">
-                      <a:solidFill>
-                        <a:schemeClr val="tx1"/>
-                      </a:solidFill>
-                      <a:prstDash val="solid"/>
-                      <a:round/>
-                      <a:headEnd type="none" w="med" len="med"/>
-                      <a:tailEnd type="none" w="med" len="med"/>
-                    </a:lnT>
-                    <a:lnB w="12700" cap="flat" cmpd="sng" algn="ctr">
-                      <a:solidFill>
-                        <a:schemeClr val="tx1"/>
-                      </a:solidFill>
-                      <a:prstDash val="solid"/>
-                      <a:round/>
-                      <a:headEnd type="none" w="med" len="med"/>
-                      <a:tailEnd type="none" w="med" len="med"/>
-                    </a:lnB>
-                    <a:lnTlToBr w="12700" cmpd="sng">
-                      <a:noFill/>
-                      <a:prstDash val="solid"/>
-                    </a:lnTlToBr>
-                    <a:lnBlToTr w="12700" cmpd="sng">
-                      <a:noFill/>
-                      <a:prstDash val="solid"/>
-                    </a:lnBlToTr>
-                    <a:noFill/>
-                  </a:tcPr>
-                </a:tc>
-                <a:tc vMerge="1">
-                  <a:txBody>
-                    <a:bodyPr/>
-                    <a:lstStyle/>
-                    <a:p>
-                      <a:endParaRPr lang="en-NZ" sz="1100" dirty="0">
-                        <a:latin typeface="+mj-lt"/>
-                        <a:cs typeface="Arial" panose="020B0604020202020204" pitchFamily="34" charset="0"/>
-                      </a:endParaRPr>
-                    </a:p>
-                  </a:txBody>
-                  <a:tcPr anchor="ctr">
-                    <a:lnL w="12700" cap="flat" cmpd="sng" algn="ctr">
-                      <a:solidFill>
-                        <a:schemeClr val="tx1"/>
-                      </a:solidFill>
-                      <a:prstDash val="solid"/>
-                      <a:round/>
-                      <a:headEnd type="none" w="med" len="med"/>
-                      <a:tailEnd type="none" w="med" len="med"/>
-                    </a:lnL>
-                    <a:lnR w="12700" cap="flat" cmpd="sng" algn="ctr">
-                      <a:solidFill>
-                        <a:schemeClr val="tx1"/>
-                      </a:solidFill>
-                      <a:prstDash val="solid"/>
-                      <a:round/>
-                      <a:headEnd type="none" w="med" len="med"/>
-                      <a:tailEnd type="none" w="med" len="med"/>
-                    </a:lnR>
-                    <a:lnT w="12700" cap="flat" cmpd="sng" algn="ctr">
-                      <a:solidFill>
-                        <a:schemeClr val="tx1"/>
-                      </a:solidFill>
-                      <a:prstDash val="solid"/>
-                      <a:round/>
-                      <a:headEnd type="none" w="med" len="med"/>
-                      <a:tailEnd type="none" w="med" len="med"/>
-                    </a:lnT>
-                    <a:lnB w="12700" cap="flat" cmpd="sng" algn="ctr">
-                      <a:solidFill>
-                        <a:schemeClr val="tx1"/>
-                      </a:solidFill>
-                      <a:prstDash val="solid"/>
-                      <a:round/>
-                      <a:headEnd type="none" w="med" len="med"/>
-                      <a:tailEnd type="none" w="med" len="med"/>
-                    </a:lnB>
-                    <a:lnTlToBr w="12700" cmpd="sng">
-                      <a:noFill/>
-                      <a:prstDash val="solid"/>
-                    </a:lnTlToBr>
-                    <a:lnBlToTr w="12700" cmpd="sng">
-                      <a:noFill/>
-                      <a:prstDash val="solid"/>
-                    </a:lnBlToTr>
-                    <a:noFill/>
-                  </a:tcPr>
-                </a:tc>
-                <a:extLst>
-                  <a:ext uri="{0D108BD9-81ED-4DB2-BD59-A6C34878D82A}">
-                    <a16:rowId xmlns:a16="http://schemas.microsoft.com/office/drawing/2014/main" val="683996686"/>
                   </a:ext>
                 </a:extLst>
               </a:tr>
@@ -4976,7 +4443,7 @@
                     <a:noFill/>
                   </a:tcPr>
                 </a:tc>
-                <a:tc rowSpan="4">
+                <a:tc rowSpan="3">
                   <a:txBody>
                     <a:bodyPr/>
                     <a:lstStyle/>
@@ -5298,266 +4765,6 @@
                 <a:extLst>
                   <a:ext uri="{0D108BD9-81ED-4DB2-BD59-A6C34878D82A}">
                     <a16:rowId xmlns:a16="http://schemas.microsoft.com/office/drawing/2014/main" val="2684727230"/>
-                  </a:ext>
-                </a:extLst>
-              </a:tr>
-              <a:tr h="312120">
-                <a:tc>
-                  <a:txBody>
-                    <a:bodyPr/>
-                    <a:lstStyle/>
-                    <a:p>
-                      <a:r>
-                        <a:rPr lang="en-NZ" sz="1100" dirty="0" err="1">
-                          <a:latin typeface="+mj-lt"/>
-                          <a:cs typeface="Arial" panose="020B0604020202020204" pitchFamily="34" charset="0"/>
-                        </a:rPr>
-                        <a:t>PPT_similarity_sd_elev_wd.ipynb</a:t>
-                      </a:r>
-                      <a:endParaRPr lang="en-NZ" sz="1100" dirty="0">
-                        <a:latin typeface="+mj-lt"/>
-                        <a:cs typeface="Arial" panose="020B0604020202020204" pitchFamily="34" charset="0"/>
-                      </a:endParaRPr>
-                    </a:p>
-                  </a:txBody>
-                  <a:tcPr anchor="ctr">
-                    <a:lnL w="12700" cap="flat" cmpd="sng" algn="ctr">
-                      <a:solidFill>
-                        <a:schemeClr val="tx1"/>
-                      </a:solidFill>
-                      <a:prstDash val="solid"/>
-                      <a:round/>
-                      <a:headEnd type="none" w="med" len="med"/>
-                      <a:tailEnd type="none" w="med" len="med"/>
-                    </a:lnL>
-                    <a:lnR w="12700" cap="flat" cmpd="sng" algn="ctr">
-                      <a:solidFill>
-                        <a:schemeClr val="tx1"/>
-                      </a:solidFill>
-                      <a:prstDash val="solid"/>
-                      <a:round/>
-                      <a:headEnd type="none" w="med" len="med"/>
-                      <a:tailEnd type="none" w="med" len="med"/>
-                    </a:lnR>
-                    <a:lnT w="12700" cap="flat" cmpd="sng" algn="ctr">
-                      <a:solidFill>
-                        <a:schemeClr val="tx1"/>
-                      </a:solidFill>
-                      <a:prstDash val="solid"/>
-                      <a:round/>
-                      <a:headEnd type="none" w="med" len="med"/>
-                      <a:tailEnd type="none" w="med" len="med"/>
-                    </a:lnT>
-                    <a:lnB w="12700" cap="flat" cmpd="sng" algn="ctr">
-                      <a:solidFill>
-                        <a:schemeClr val="tx1"/>
-                      </a:solidFill>
-                      <a:prstDash val="solid"/>
-                      <a:round/>
-                      <a:headEnd type="none" w="med" len="med"/>
-                      <a:tailEnd type="none" w="med" len="med"/>
-                    </a:lnB>
-                    <a:lnTlToBr w="12700" cmpd="sng">
-                      <a:noFill/>
-                      <a:prstDash val="solid"/>
-                    </a:lnTlToBr>
-                    <a:lnBlToTr w="12700" cmpd="sng">
-                      <a:noFill/>
-                      <a:prstDash val="solid"/>
-                    </a:lnBlToTr>
-                    <a:noFill/>
-                  </a:tcPr>
-                </a:tc>
-                <a:tc>
-                  <a:txBody>
-                    <a:bodyPr/>
-                    <a:lstStyle/>
-                    <a:p>
-                      <a:r>
-                        <a:rPr lang="en-NZ" sz="1100" dirty="0" err="1">
-                          <a:latin typeface="+mj-lt"/>
-                          <a:cs typeface="Arial" panose="020B0604020202020204" pitchFamily="34" charset="0"/>
-                        </a:rPr>
-                        <a:t>Ppt_adjustment</a:t>
-                      </a:r>
-                      <a:endParaRPr lang="en-NZ" sz="1100" dirty="0">
-                        <a:latin typeface="+mj-lt"/>
-                        <a:cs typeface="Arial" panose="020B0604020202020204" pitchFamily="34" charset="0"/>
-                      </a:endParaRPr>
-                    </a:p>
-                  </a:txBody>
-                  <a:tcPr anchor="ctr">
-                    <a:lnL w="12700" cap="flat" cmpd="sng" algn="ctr">
-                      <a:solidFill>
-                        <a:schemeClr val="tx1"/>
-                      </a:solidFill>
-                      <a:prstDash val="solid"/>
-                      <a:round/>
-                      <a:headEnd type="none" w="med" len="med"/>
-                      <a:tailEnd type="none" w="med" len="med"/>
-                    </a:lnL>
-                    <a:lnR w="12700" cap="flat" cmpd="sng" algn="ctr">
-                      <a:solidFill>
-                        <a:schemeClr val="tx1"/>
-                      </a:solidFill>
-                      <a:prstDash val="solid"/>
-                      <a:round/>
-                      <a:headEnd type="none" w="med" len="med"/>
-                      <a:tailEnd type="none" w="med" len="med"/>
-                    </a:lnR>
-                    <a:lnT w="12700" cap="flat" cmpd="sng" algn="ctr">
-                      <a:solidFill>
-                        <a:schemeClr val="tx1"/>
-                      </a:solidFill>
-                      <a:prstDash val="solid"/>
-                      <a:round/>
-                      <a:headEnd type="none" w="med" len="med"/>
-                      <a:tailEnd type="none" w="med" len="med"/>
-                    </a:lnT>
-                    <a:lnB w="12700" cap="flat" cmpd="sng" algn="ctr">
-                      <a:solidFill>
-                        <a:schemeClr val="tx1"/>
-                      </a:solidFill>
-                      <a:prstDash val="solid"/>
-                      <a:round/>
-                      <a:headEnd type="none" w="med" len="med"/>
-                      <a:tailEnd type="none" w="med" len="med"/>
-                    </a:lnB>
-                    <a:lnTlToBr w="12700" cmpd="sng">
-                      <a:noFill/>
-                      <a:prstDash val="solid"/>
-                    </a:lnTlToBr>
-                    <a:lnBlToTr w="12700" cmpd="sng">
-                      <a:noFill/>
-                      <a:prstDash val="solid"/>
-                    </a:lnBlToTr>
-                    <a:noFill/>
-                  </a:tcPr>
-                </a:tc>
-                <a:tc>
-                  <a:txBody>
-                    <a:bodyPr/>
-                    <a:lstStyle/>
-                    <a:p>
-                      <a:r>
-                        <a:rPr lang="en-NZ" sz="1100" dirty="0">
-                          <a:latin typeface="+mj-lt"/>
-                          <a:cs typeface="Arial" panose="020B0604020202020204" pitchFamily="34" charset="0"/>
-                        </a:rPr>
-                        <a:t>Generate high resolution figure for manuscript</a:t>
-                      </a:r>
-                    </a:p>
-                  </a:txBody>
-                  <a:tcPr anchor="ctr">
-                    <a:lnL w="12700" cap="flat" cmpd="sng" algn="ctr">
-                      <a:solidFill>
-                        <a:schemeClr val="tx1"/>
-                      </a:solidFill>
-                      <a:prstDash val="solid"/>
-                      <a:round/>
-                      <a:headEnd type="none" w="med" len="med"/>
-                      <a:tailEnd type="none" w="med" len="med"/>
-                    </a:lnL>
-                    <a:lnR w="12700" cap="flat" cmpd="sng" algn="ctr">
-                      <a:solidFill>
-                        <a:schemeClr val="tx1"/>
-                      </a:solidFill>
-                      <a:prstDash val="solid"/>
-                      <a:round/>
-                      <a:headEnd type="none" w="med" len="med"/>
-                      <a:tailEnd type="none" w="med" len="med"/>
-                    </a:lnR>
-                    <a:lnT w="12700" cap="flat" cmpd="sng" algn="ctr">
-                      <a:solidFill>
-                        <a:schemeClr val="tx1"/>
-                      </a:solidFill>
-                      <a:prstDash val="solid"/>
-                      <a:round/>
-                      <a:headEnd type="none" w="med" len="med"/>
-                      <a:tailEnd type="none" w="med" len="med"/>
-                    </a:lnT>
-                    <a:lnB w="12700" cap="flat" cmpd="sng" algn="ctr">
-                      <a:solidFill>
-                        <a:schemeClr val="tx1"/>
-                      </a:solidFill>
-                      <a:prstDash val="solid"/>
-                      <a:round/>
-                      <a:headEnd type="none" w="med" len="med"/>
-                      <a:tailEnd type="none" w="med" len="med"/>
-                    </a:lnB>
-                    <a:lnTlToBr w="12700" cmpd="sng">
-                      <a:noFill/>
-                      <a:prstDash val="solid"/>
-                    </a:lnTlToBr>
-                    <a:lnBlToTr w="12700" cmpd="sng">
-                      <a:noFill/>
-                      <a:prstDash val="solid"/>
-                    </a:lnBlToTr>
-                    <a:noFill/>
-                  </a:tcPr>
-                </a:tc>
-                <a:tc vMerge="1">
-                  <a:txBody>
-                    <a:bodyPr/>
-                    <a:lstStyle/>
-                    <a:p>
-                      <a:endParaRPr lang="en-NZ" sz="1100" dirty="0">
-                        <a:latin typeface="+mj-lt"/>
-                        <a:cs typeface="Arial" panose="020B0604020202020204" pitchFamily="34" charset="0"/>
-                      </a:endParaRPr>
-                    </a:p>
-                  </a:txBody>
-                  <a:tcPr anchor="ctr">
-                    <a:lnL w="12700" cap="flat" cmpd="sng" algn="ctr">
-                      <a:solidFill>
-                        <a:schemeClr val="tx1"/>
-                      </a:solidFill>
-                      <a:prstDash val="solid"/>
-                      <a:round/>
-                      <a:headEnd type="none" w="med" len="med"/>
-                      <a:tailEnd type="none" w="med" len="med"/>
-                    </a:lnL>
-                    <a:lnR w="12700" cap="flat" cmpd="sng" algn="ctr">
-                      <a:solidFill>
-                        <a:schemeClr val="tx1"/>
-                      </a:solidFill>
-                      <a:prstDash val="solid"/>
-                      <a:round/>
-                      <a:headEnd type="none" w="med" len="med"/>
-                      <a:tailEnd type="none" w="med" len="med"/>
-                    </a:lnR>
-                    <a:lnT w="12700" cap="flat" cmpd="sng" algn="ctr">
-                      <a:solidFill>
-                        <a:schemeClr val="tx1"/>
-                      </a:solidFill>
-                      <a:prstDash val="solid"/>
-                      <a:round/>
-                      <a:headEnd type="none" w="med" len="med"/>
-                      <a:tailEnd type="none" w="med" len="med"/>
-                    </a:lnT>
-                    <a:lnB w="12700" cap="flat" cmpd="sng" algn="ctr">
-                      <a:solidFill>
-                        <a:schemeClr val="tx1"/>
-                      </a:solidFill>
-                      <a:prstDash val="solid"/>
-                      <a:round/>
-                      <a:headEnd type="none" w="med" len="med"/>
-                      <a:tailEnd type="none" w="med" len="med"/>
-                    </a:lnB>
-                    <a:lnTlToBr w="12700" cmpd="sng">
-                      <a:noFill/>
-                      <a:prstDash val="solid"/>
-                    </a:lnTlToBr>
-                    <a:lnBlToTr w="12700" cmpd="sng">
-                      <a:noFill/>
-                      <a:prstDash val="solid"/>
-                    </a:lnBlToTr>
-                    <a:noFill/>
-                  </a:tcPr>
-                </a:tc>
-                <a:extLst>
-                  <a:ext uri="{0D108BD9-81ED-4DB2-BD59-A6C34878D82A}">
-                    <a16:rowId xmlns:a16="http://schemas.microsoft.com/office/drawing/2014/main" val="494339606"/>
                   </a:ext>
                 </a:extLst>
               </a:tr>
@@ -6363,6 +5570,175 @@
                   </a:ext>
                 </a:extLst>
               </a:tr>
+              <a:tr h="425700">
+                <a:tc vMerge="1">
+                  <a:txBody>
+                    <a:bodyPr/>
+                    <a:lstStyle/>
+                    <a:p>
+                      <a:endParaRPr lang="en-NZ"/>
+                    </a:p>
+                  </a:txBody>
+                  <a:tcPr/>
+                </a:tc>
+                <a:tc>
+                  <a:txBody>
+                    <a:bodyPr/>
+                    <a:lstStyle/>
+                    <a:p>
+                      <a:r>
+                        <a:rPr lang="en-NZ" sz="1100" dirty="0" err="1">
+                          <a:latin typeface="+mj-lt"/>
+                          <a:cs typeface="Arial" panose="020B0604020202020204" pitchFamily="34" charset="0"/>
+                        </a:rPr>
+                        <a:t>All_results</a:t>
+                      </a:r>
+                      <a:r>
+                        <a:rPr lang="en-NZ" sz="1100" dirty="0">
+                          <a:latin typeface="+mj-lt"/>
+                          <a:cs typeface="Arial" panose="020B0604020202020204" pitchFamily="34" charset="0"/>
+                        </a:rPr>
+                        <a:t>/</a:t>
+                      </a:r>
+                      <a:r>
+                        <a:rPr lang="en-NZ" sz="1100" dirty="0" err="1">
+                          <a:latin typeface="+mj-lt"/>
+                          <a:cs typeface="Arial" panose="020B0604020202020204" pitchFamily="34" charset="0"/>
+                        </a:rPr>
+                        <a:t>Cv_results_comparison</a:t>
+                      </a:r>
+                      <a:endParaRPr lang="en-NZ" sz="1100" dirty="0">
+                        <a:latin typeface="+mj-lt"/>
+                        <a:cs typeface="Arial" panose="020B0604020202020204" pitchFamily="34" charset="0"/>
+                      </a:endParaRPr>
+                    </a:p>
+                  </a:txBody>
+                  <a:tcPr anchor="ctr">
+                    <a:lnL w="12700" cap="flat" cmpd="sng" algn="ctr">
+                      <a:solidFill>
+                        <a:schemeClr val="tx1"/>
+                      </a:solidFill>
+                      <a:prstDash val="solid"/>
+                      <a:round/>
+                      <a:headEnd type="none" w="med" len="med"/>
+                      <a:tailEnd type="none" w="med" len="med"/>
+                    </a:lnL>
+                    <a:lnR w="12700" cap="flat" cmpd="sng" algn="ctr">
+                      <a:solidFill>
+                        <a:schemeClr val="tx1"/>
+                      </a:solidFill>
+                      <a:prstDash val="solid"/>
+                      <a:round/>
+                      <a:headEnd type="none" w="med" len="med"/>
+                      <a:tailEnd type="none" w="med" len="med"/>
+                    </a:lnR>
+                    <a:lnT w="12700" cap="flat" cmpd="sng" algn="ctr">
+                      <a:solidFill>
+                        <a:schemeClr val="tx1"/>
+                      </a:solidFill>
+                      <a:prstDash val="solid"/>
+                      <a:round/>
+                      <a:headEnd type="none" w="med" len="med"/>
+                      <a:tailEnd type="none" w="med" len="med"/>
+                    </a:lnT>
+                    <a:lnB w="12700" cap="flat" cmpd="sng" algn="ctr">
+                      <a:solidFill>
+                        <a:schemeClr val="tx1"/>
+                      </a:solidFill>
+                      <a:prstDash val="solid"/>
+                      <a:round/>
+                      <a:headEnd type="none" w="med" len="med"/>
+                      <a:tailEnd type="none" w="med" len="med"/>
+                    </a:lnB>
+                    <a:lnTlToBr w="12700" cmpd="sng">
+                      <a:noFill/>
+                      <a:prstDash val="solid"/>
+                    </a:lnTlToBr>
+                    <a:lnBlToTr w="12700" cmpd="sng">
+                      <a:noFill/>
+                      <a:prstDash val="solid"/>
+                    </a:lnBlToTr>
+                    <a:noFill/>
+                  </a:tcPr>
+                </a:tc>
+                <a:tc>
+                  <a:txBody>
+                    <a:bodyPr/>
+                    <a:lstStyle/>
+                    <a:p>
+                      <a:r>
+                        <a:rPr lang="en-NZ" sz="1100" dirty="0">
+                          <a:latin typeface="+mj-lt"/>
+                          <a:cs typeface="Arial" panose="020B0604020202020204" pitchFamily="34" charset="0"/>
+                        </a:rPr>
+                        <a:t>Generated from simulation script of all versions</a:t>
+                      </a:r>
+                    </a:p>
+                  </a:txBody>
+                  <a:tcPr anchor="ctr">
+                    <a:lnL w="12700" cap="flat" cmpd="sng" algn="ctr">
+                      <a:solidFill>
+                        <a:schemeClr val="tx1"/>
+                      </a:solidFill>
+                      <a:prstDash val="solid"/>
+                      <a:round/>
+                      <a:headEnd type="none" w="med" len="med"/>
+                      <a:tailEnd type="none" w="med" len="med"/>
+                    </a:lnL>
+                    <a:lnR w="12700" cap="flat" cmpd="sng" algn="ctr">
+                      <a:solidFill>
+                        <a:schemeClr val="tx1"/>
+                      </a:solidFill>
+                      <a:prstDash val="solid"/>
+                      <a:round/>
+                      <a:headEnd type="none" w="med" len="med"/>
+                      <a:tailEnd type="none" w="med" len="med"/>
+                    </a:lnR>
+                    <a:lnT w="12700" cap="flat" cmpd="sng" algn="ctr">
+                      <a:solidFill>
+                        <a:schemeClr val="tx1"/>
+                      </a:solidFill>
+                      <a:prstDash val="solid"/>
+                      <a:round/>
+                      <a:headEnd type="none" w="med" len="med"/>
+                      <a:tailEnd type="none" w="med" len="med"/>
+                    </a:lnT>
+                    <a:lnB w="12700" cap="flat" cmpd="sng" algn="ctr">
+                      <a:solidFill>
+                        <a:schemeClr val="tx1"/>
+                      </a:solidFill>
+                      <a:prstDash val="solid"/>
+                      <a:round/>
+                      <a:headEnd type="none" w="med" len="med"/>
+                      <a:tailEnd type="none" w="med" len="med"/>
+                    </a:lnB>
+                    <a:lnTlToBr w="12700" cmpd="sng">
+                      <a:noFill/>
+                      <a:prstDash val="solid"/>
+                    </a:lnTlToBr>
+                    <a:lnBlToTr w="12700" cmpd="sng">
+                      <a:noFill/>
+                      <a:prstDash val="solid"/>
+                    </a:lnBlToTr>
+                    <a:noFill/>
+                  </a:tcPr>
+                </a:tc>
+                <a:tc vMerge="1">
+                  <a:txBody>
+                    <a:bodyPr/>
+                    <a:lstStyle/>
+                    <a:p>
+                      <a:endParaRPr lang="en-NZ"/>
+                    </a:p>
+                  </a:txBody>
+                  <a:tcPr/>
+                </a:tc>
+                <a:extLst>
+                  <a:ext uri="{0D108BD9-81ED-4DB2-BD59-A6C34878D82A}">
+                    <a16:rowId xmlns:a16="http://schemas.microsoft.com/office/drawing/2014/main" val="4114465093"/>
+                  </a:ext>
+                </a:extLst>
+              </a:tr>
               <a:tr h="260249">
                 <a:tc vMerge="1">
                   <a:txBody>
@@ -6613,287 +5989,6 @@
                 <a:extLst>
                   <a:ext uri="{0D108BD9-81ED-4DB2-BD59-A6C34878D82A}">
                     <a16:rowId xmlns:a16="http://schemas.microsoft.com/office/drawing/2014/main" val="3202104257"/>
-                  </a:ext>
-                </a:extLst>
-              </a:tr>
-              <a:tr h="592939">
-                <a:tc vMerge="1">
-                  <a:txBody>
-                    <a:bodyPr/>
-                    <a:lstStyle/>
-                    <a:p>
-                      <a:endParaRPr lang="en-NZ" sz="1100" dirty="0">
-                        <a:latin typeface="+mj-lt"/>
-                        <a:cs typeface="Arial" panose="020B0604020202020204" pitchFamily="34" charset="0"/>
-                      </a:endParaRPr>
-                    </a:p>
-                  </a:txBody>
-                  <a:tcPr anchor="ctr">
-                    <a:lnL w="12700" cap="flat" cmpd="sng" algn="ctr">
-                      <a:solidFill>
-                        <a:schemeClr val="tx1"/>
-                      </a:solidFill>
-                      <a:prstDash val="solid"/>
-                      <a:round/>
-                      <a:headEnd type="none" w="med" len="med"/>
-                      <a:tailEnd type="none" w="med" len="med"/>
-                    </a:lnL>
-                    <a:lnR w="12700" cap="flat" cmpd="sng" algn="ctr">
-                      <a:solidFill>
-                        <a:schemeClr val="tx1"/>
-                      </a:solidFill>
-                      <a:prstDash val="solid"/>
-                      <a:round/>
-                      <a:headEnd type="none" w="med" len="med"/>
-                      <a:tailEnd type="none" w="med" len="med"/>
-                    </a:lnR>
-                    <a:lnT w="12700" cap="flat" cmpd="sng" algn="ctr">
-                      <a:solidFill>
-                        <a:schemeClr val="tx1"/>
-                      </a:solidFill>
-                      <a:prstDash val="solid"/>
-                      <a:round/>
-                      <a:headEnd type="none" w="med" len="med"/>
-                      <a:tailEnd type="none" w="med" len="med"/>
-                    </a:lnT>
-                    <a:lnB w="12700" cap="flat" cmpd="sng" algn="ctr">
-                      <a:solidFill>
-                        <a:schemeClr val="tx1"/>
-                      </a:solidFill>
-                      <a:prstDash val="solid"/>
-                      <a:round/>
-                      <a:headEnd type="none" w="med" len="med"/>
-                      <a:tailEnd type="none" w="med" len="med"/>
-                    </a:lnB>
-                    <a:lnTlToBr w="12700" cmpd="sng">
-                      <a:noFill/>
-                      <a:prstDash val="solid"/>
-                    </a:lnTlToBr>
-                    <a:lnBlToTr w="12700" cmpd="sng">
-                      <a:noFill/>
-                      <a:prstDash val="solid"/>
-                    </a:lnBlToTr>
-                    <a:noFill/>
-                  </a:tcPr>
-                </a:tc>
-                <a:tc>
-                  <a:txBody>
-                    <a:bodyPr/>
-                    <a:lstStyle/>
-                    <a:p>
-                      <a:r>
-                        <a:rPr lang="en-NZ" sz="1100" dirty="0" err="1">
-                          <a:latin typeface="+mj-lt"/>
-                          <a:cs typeface="Arial" panose="020B0604020202020204" pitchFamily="34" charset="0"/>
-                        </a:rPr>
-                        <a:t>Nesi_instruction</a:t>
-                      </a:r>
-                      <a:endParaRPr lang="en-NZ" sz="1100" dirty="0">
-                        <a:latin typeface="+mj-lt"/>
-                        <a:cs typeface="Arial" panose="020B0604020202020204" pitchFamily="34" charset="0"/>
-                      </a:endParaRPr>
-                    </a:p>
-                  </a:txBody>
-                  <a:tcPr anchor="ctr">
-                    <a:lnL w="12700" cap="flat" cmpd="sng" algn="ctr">
-                      <a:solidFill>
-                        <a:schemeClr val="tx1"/>
-                      </a:solidFill>
-                      <a:prstDash val="solid"/>
-                      <a:round/>
-                      <a:headEnd type="none" w="med" len="med"/>
-                      <a:tailEnd type="none" w="med" len="med"/>
-                    </a:lnL>
-                    <a:lnR w="12700" cap="flat" cmpd="sng" algn="ctr">
-                      <a:solidFill>
-                        <a:schemeClr val="tx1"/>
-                      </a:solidFill>
-                      <a:prstDash val="solid"/>
-                      <a:round/>
-                      <a:headEnd type="none" w="med" len="med"/>
-                      <a:tailEnd type="none" w="med" len="med"/>
-                    </a:lnR>
-                    <a:lnT w="12700" cap="flat" cmpd="sng" algn="ctr">
-                      <a:solidFill>
-                        <a:schemeClr val="tx1"/>
-                      </a:solidFill>
-                      <a:prstDash val="solid"/>
-                      <a:round/>
-                      <a:headEnd type="none" w="med" len="med"/>
-                      <a:tailEnd type="none" w="med" len="med"/>
-                    </a:lnT>
-                    <a:lnB w="12700" cap="flat" cmpd="sng" algn="ctr">
-                      <a:solidFill>
-                        <a:schemeClr val="tx1"/>
-                      </a:solidFill>
-                      <a:prstDash val="solid"/>
-                      <a:round/>
-                      <a:headEnd type="none" w="med" len="med"/>
-                      <a:tailEnd type="none" w="med" len="med"/>
-                    </a:lnB>
-                    <a:lnTlToBr w="12700" cmpd="sng">
-                      <a:noFill/>
-                      <a:prstDash val="solid"/>
-                    </a:lnTlToBr>
-                    <a:lnBlToTr w="12700" cmpd="sng">
-                      <a:noFill/>
-                      <a:prstDash val="solid"/>
-                    </a:lnBlToTr>
-                    <a:noFill/>
-                  </a:tcPr>
-                </a:tc>
-                <a:tc>
-                  <a:txBody>
-                    <a:bodyPr/>
-                    <a:lstStyle/>
-                    <a:p>
-                      <a:r>
-                        <a:rPr lang="en-NZ" sz="1100" dirty="0">
-                          <a:latin typeface="+mj-lt"/>
-                          <a:cs typeface="Arial" panose="020B0604020202020204" pitchFamily="34" charset="0"/>
-                        </a:rPr>
-                        <a:t>Simple instruction about how to use </a:t>
-                      </a:r>
-                      <a:r>
-                        <a:rPr lang="en-NZ" sz="1100" dirty="0" err="1">
-                          <a:latin typeface="+mj-lt"/>
-                          <a:cs typeface="Arial" panose="020B0604020202020204" pitchFamily="34" charset="0"/>
-                        </a:rPr>
-                        <a:t>Nesi</a:t>
-                      </a:r>
-                      <a:r>
-                        <a:rPr lang="en-NZ" sz="1100" dirty="0">
-                          <a:latin typeface="+mj-lt"/>
-                          <a:cs typeface="Arial" panose="020B0604020202020204" pitchFamily="34" charset="0"/>
-                        </a:rPr>
-                        <a:t> and to simulate flood predictions and how to move files between </a:t>
-                      </a:r>
-                      <a:r>
-                        <a:rPr lang="en-NZ" sz="1100" dirty="0" err="1">
-                          <a:latin typeface="+mj-lt"/>
-                          <a:cs typeface="Arial" panose="020B0604020202020204" pitchFamily="34" charset="0"/>
-                        </a:rPr>
-                        <a:t>Nesi</a:t>
-                      </a:r>
-                      <a:r>
-                        <a:rPr lang="en-NZ" sz="1100" dirty="0">
-                          <a:latin typeface="+mj-lt"/>
-                          <a:cs typeface="Arial" panose="020B0604020202020204" pitchFamily="34" charset="0"/>
-                        </a:rPr>
-                        <a:t> and local computer</a:t>
-                      </a:r>
-                    </a:p>
-                  </a:txBody>
-                  <a:tcPr anchor="ctr">
-                    <a:lnL w="12700" cap="flat" cmpd="sng" algn="ctr">
-                      <a:solidFill>
-                        <a:schemeClr val="tx1"/>
-                      </a:solidFill>
-                      <a:prstDash val="solid"/>
-                      <a:round/>
-                      <a:headEnd type="none" w="med" len="med"/>
-                      <a:tailEnd type="none" w="med" len="med"/>
-                    </a:lnL>
-                    <a:lnR w="12700" cap="flat" cmpd="sng" algn="ctr">
-                      <a:solidFill>
-                        <a:schemeClr val="tx1"/>
-                      </a:solidFill>
-                      <a:prstDash val="solid"/>
-                      <a:round/>
-                      <a:headEnd type="none" w="med" len="med"/>
-                      <a:tailEnd type="none" w="med" len="med"/>
-                    </a:lnR>
-                    <a:lnT w="12700" cap="flat" cmpd="sng" algn="ctr">
-                      <a:solidFill>
-                        <a:schemeClr val="tx1"/>
-                      </a:solidFill>
-                      <a:prstDash val="solid"/>
-                      <a:round/>
-                      <a:headEnd type="none" w="med" len="med"/>
-                      <a:tailEnd type="none" w="med" len="med"/>
-                    </a:lnT>
-                    <a:lnB w="12700" cap="flat" cmpd="sng" algn="ctr">
-                      <a:solidFill>
-                        <a:schemeClr val="tx1"/>
-                      </a:solidFill>
-                      <a:prstDash val="solid"/>
-                      <a:round/>
-                      <a:headEnd type="none" w="med" len="med"/>
-                      <a:tailEnd type="none" w="med" len="med"/>
-                    </a:lnB>
-                    <a:lnTlToBr w="12700" cmpd="sng">
-                      <a:noFill/>
-                      <a:prstDash val="solid"/>
-                    </a:lnTlToBr>
-                    <a:lnBlToTr w="12700" cmpd="sng">
-                      <a:noFill/>
-                      <a:prstDash val="solid"/>
-                    </a:lnBlToTr>
-                    <a:noFill/>
-                  </a:tcPr>
-                </a:tc>
-                <a:tc vMerge="1">
-                  <a:txBody>
-                    <a:bodyPr/>
-                    <a:lstStyle/>
-                    <a:p>
-                      <a:endParaRPr lang="en-NZ" sz="1100" dirty="0">
-                        <a:latin typeface="+mj-lt"/>
-                        <a:cs typeface="Arial" panose="020B0604020202020204" pitchFamily="34" charset="0"/>
-                      </a:endParaRPr>
-                    </a:p>
-                  </a:txBody>
-                  <a:tcPr anchor="ctr">
-                    <a:lnL w="12700" cap="flat" cmpd="sng" algn="ctr">
-                      <a:solidFill>
-                        <a:schemeClr val="tx1"/>
-                      </a:solidFill>
-                      <a:prstDash val="solid"/>
-                      <a:round/>
-                      <a:headEnd type="none" w="med" len="med"/>
-                      <a:tailEnd type="none" w="med" len="med"/>
-                    </a:lnL>
-                    <a:lnR w="12700" cap="flat" cmpd="sng" algn="ctr">
-                      <a:solidFill>
-                        <a:schemeClr val="tx1"/>
-                      </a:solidFill>
-                      <a:prstDash val="solid"/>
-                      <a:round/>
-                      <a:headEnd type="none" w="med" len="med"/>
-                      <a:tailEnd type="none" w="med" len="med"/>
-                    </a:lnR>
-                    <a:lnT w="12700" cap="flat" cmpd="sng" algn="ctr">
-                      <a:solidFill>
-                        <a:schemeClr val="tx1"/>
-                      </a:solidFill>
-                      <a:prstDash val="solid"/>
-                      <a:round/>
-                      <a:headEnd type="none" w="med" len="med"/>
-                      <a:tailEnd type="none" w="med" len="med"/>
-                    </a:lnT>
-                    <a:lnB w="12700" cap="flat" cmpd="sng" algn="ctr">
-                      <a:solidFill>
-                        <a:schemeClr val="tx1"/>
-                      </a:solidFill>
-                      <a:prstDash val="solid"/>
-                      <a:round/>
-                      <a:headEnd type="none" w="med" len="med"/>
-                      <a:tailEnd type="none" w="med" len="med"/>
-                    </a:lnB>
-                    <a:lnTlToBr w="12700" cmpd="sng">
-                      <a:noFill/>
-                      <a:prstDash val="solid"/>
-                    </a:lnTlToBr>
-                    <a:lnBlToTr w="12700" cmpd="sng">
-                      <a:noFill/>
-                      <a:prstDash val="solid"/>
-                    </a:lnBlToTr>
-                    <a:noFill/>
-                  </a:tcPr>
-                </a:tc>
-                <a:extLst>
-                  <a:ext uri="{0D108BD9-81ED-4DB2-BD59-A6C34878D82A}">
-                    <a16:rowId xmlns:a16="http://schemas.microsoft.com/office/drawing/2014/main" val="1400430380"/>
                   </a:ext>
                 </a:extLst>
               </a:tr>
